--- a/Mod4_Exec_Sum.pptx
+++ b/Mod4_Exec_Sum.pptx
@@ -5,18 +5,21 @@
     <p:sldMasterId id="2147483648" r:id="rId1"/>
   </p:sldMasterIdLst>
   <p:notesMasterIdLst>
-    <p:notesMasterId r:id="rId11"/>
+    <p:notesMasterId r:id="rId14"/>
   </p:notesMasterIdLst>
   <p:sldIdLst>
     <p:sldId id="256" r:id="rId2"/>
     <p:sldId id="257" r:id="rId3"/>
     <p:sldId id="265" r:id="rId4"/>
-    <p:sldId id="266" r:id="rId5"/>
-    <p:sldId id="267" r:id="rId6"/>
-    <p:sldId id="268" r:id="rId7"/>
-    <p:sldId id="269" r:id="rId8"/>
-    <p:sldId id="270" r:id="rId9"/>
-    <p:sldId id="264" r:id="rId10"/>
+    <p:sldId id="271" r:id="rId5"/>
+    <p:sldId id="272" r:id="rId6"/>
+    <p:sldId id="273" r:id="rId7"/>
+    <p:sldId id="266" r:id="rId8"/>
+    <p:sldId id="267" r:id="rId9"/>
+    <p:sldId id="268" r:id="rId10"/>
+    <p:sldId id="269" r:id="rId11"/>
+    <p:sldId id="270" r:id="rId12"/>
+    <p:sldId id="264" r:id="rId13"/>
   </p:sldIdLst>
   <p:sldSz cx="12192000" cy="6858000"/>
   <p:notesSz cx="6858000" cy="9144000"/>
@@ -205,7 +208,7 @@
           <a:p>
             <a:fld id="{CE410477-910B-4024-99EA-C80B4FF5F4B1}" type="datetimeFigureOut">
               <a:rPr lang="en-US" smtClean="0"/>
-              <a:t>6/21/2020</a:t>
+              <a:t>7/5/2020</a:t>
             </a:fld>
             <a:endParaRPr lang="en-US"/>
           </a:p>
@@ -537,7 +540,7 @@
           <a:p>
             <a:fld id="{2CB35C6C-FB0E-4A08-BEB0-393EE2B265A9}" type="slidenum">
               <a:rPr lang="en-US" smtClean="0"/>
-              <a:t>5</a:t>
+              <a:t>7</a:t>
             </a:fld>
             <a:endParaRPr lang="en-US"/>
           </a:p>
@@ -546,7 +549,7 @@
     </p:spTree>
     <p:extLst>
       <p:ext uri="{BB962C8B-B14F-4D97-AF65-F5344CB8AC3E}">
-        <p14:creationId xmlns:p14="http://schemas.microsoft.com/office/powerpoint/2010/main" val="3913585494"/>
+        <p14:creationId xmlns:p14="http://schemas.microsoft.com/office/powerpoint/2010/main" val="244614867"/>
       </p:ext>
     </p:extLst>
   </p:cSld>
@@ -600,6 +603,174 @@
           <a:bodyPr/>
           <a:lstStyle/>
           <a:p>
+            <a:endParaRPr lang="en-US" dirty="0"/>
+          </a:p>
+        </p:txBody>
+      </p:sp>
+      <p:sp>
+        <p:nvSpPr>
+          <p:cNvPr id="4" name="Slide Number Placeholder 3"/>
+          <p:cNvSpPr>
+            <a:spLocks noGrp="1"/>
+          </p:cNvSpPr>
+          <p:nvPr>
+            <p:ph type="sldNum" sz="quarter" idx="5"/>
+          </p:nvPr>
+        </p:nvSpPr>
+        <p:spPr/>
+        <p:txBody>
+          <a:bodyPr/>
+          <a:lstStyle/>
+          <a:p>
+            <a:fld id="{2CB35C6C-FB0E-4A08-BEB0-393EE2B265A9}" type="slidenum">
+              <a:rPr lang="en-US" smtClean="0"/>
+              <a:t>8</a:t>
+            </a:fld>
+            <a:endParaRPr lang="en-US"/>
+          </a:p>
+        </p:txBody>
+      </p:sp>
+    </p:spTree>
+    <p:extLst>
+      <p:ext uri="{BB962C8B-B14F-4D97-AF65-F5344CB8AC3E}">
+        <p14:creationId xmlns:p14="http://schemas.microsoft.com/office/powerpoint/2010/main" val="3913585494"/>
+      </p:ext>
+    </p:extLst>
+  </p:cSld>
+  <p:clrMapOvr>
+    <a:masterClrMapping/>
+  </p:clrMapOvr>
+</p:notes>
+</file>
+
+<file path=ppt/notesSlides/notesSlide3.xml><?xml version="1.0" encoding="utf-8"?>
+<p:notes xmlns:a="http://schemas.openxmlformats.org/drawingml/2006/main" xmlns:r="http://schemas.openxmlformats.org/officeDocument/2006/relationships" xmlns:p="http://schemas.openxmlformats.org/presentationml/2006/main">
+  <p:cSld>
+    <p:spTree>
+      <p:nvGrpSpPr>
+        <p:cNvPr id="1" name=""/>
+        <p:cNvGrpSpPr/>
+        <p:nvPr/>
+      </p:nvGrpSpPr>
+      <p:grpSpPr>
+        <a:xfrm>
+          <a:off x="0" y="0"/>
+          <a:ext cx="0" cy="0"/>
+          <a:chOff x="0" y="0"/>
+          <a:chExt cx="0" cy="0"/>
+        </a:xfrm>
+      </p:grpSpPr>
+      <p:sp>
+        <p:nvSpPr>
+          <p:cNvPr id="2" name="Slide Image Placeholder 1"/>
+          <p:cNvSpPr>
+            <a:spLocks noGrp="1" noRot="1" noChangeAspect="1"/>
+          </p:cNvSpPr>
+          <p:nvPr>
+            <p:ph type="sldImg"/>
+          </p:nvPr>
+        </p:nvSpPr>
+        <p:spPr/>
+      </p:sp>
+      <p:sp>
+        <p:nvSpPr>
+          <p:cNvPr id="3" name="Notes Placeholder 2"/>
+          <p:cNvSpPr>
+            <a:spLocks noGrp="1"/>
+          </p:cNvSpPr>
+          <p:nvPr>
+            <p:ph type="body" idx="1"/>
+          </p:nvPr>
+        </p:nvSpPr>
+        <p:spPr/>
+        <p:txBody>
+          <a:bodyPr/>
+          <a:lstStyle/>
+          <a:p>
+            <a:endParaRPr lang="en-US" dirty="0"/>
+          </a:p>
+        </p:txBody>
+      </p:sp>
+      <p:sp>
+        <p:nvSpPr>
+          <p:cNvPr id="4" name="Slide Number Placeholder 3"/>
+          <p:cNvSpPr>
+            <a:spLocks noGrp="1"/>
+          </p:cNvSpPr>
+          <p:nvPr>
+            <p:ph type="sldNum" sz="quarter" idx="5"/>
+          </p:nvPr>
+        </p:nvSpPr>
+        <p:spPr/>
+        <p:txBody>
+          <a:bodyPr/>
+          <a:lstStyle/>
+          <a:p>
+            <a:fld id="{2CB35C6C-FB0E-4A08-BEB0-393EE2B265A9}" type="slidenum">
+              <a:rPr lang="en-US" smtClean="0"/>
+              <a:t>10</a:t>
+            </a:fld>
+            <a:endParaRPr lang="en-US"/>
+          </a:p>
+        </p:txBody>
+      </p:sp>
+    </p:spTree>
+    <p:extLst>
+      <p:ext uri="{BB962C8B-B14F-4D97-AF65-F5344CB8AC3E}">
+        <p14:creationId xmlns:p14="http://schemas.microsoft.com/office/powerpoint/2010/main" val="608450114"/>
+      </p:ext>
+    </p:extLst>
+  </p:cSld>
+  <p:clrMapOvr>
+    <a:masterClrMapping/>
+  </p:clrMapOvr>
+</p:notes>
+</file>
+
+<file path=ppt/notesSlides/notesSlide4.xml><?xml version="1.0" encoding="utf-8"?>
+<p:notes xmlns:a="http://schemas.openxmlformats.org/drawingml/2006/main" xmlns:r="http://schemas.openxmlformats.org/officeDocument/2006/relationships" xmlns:p="http://schemas.openxmlformats.org/presentationml/2006/main">
+  <p:cSld>
+    <p:spTree>
+      <p:nvGrpSpPr>
+        <p:cNvPr id="1" name=""/>
+        <p:cNvGrpSpPr/>
+        <p:nvPr/>
+      </p:nvGrpSpPr>
+      <p:grpSpPr>
+        <a:xfrm>
+          <a:off x="0" y="0"/>
+          <a:ext cx="0" cy="0"/>
+          <a:chOff x="0" y="0"/>
+          <a:chExt cx="0" cy="0"/>
+        </a:xfrm>
+      </p:grpSpPr>
+      <p:sp>
+        <p:nvSpPr>
+          <p:cNvPr id="2" name="Slide Image Placeholder 1"/>
+          <p:cNvSpPr>
+            <a:spLocks noGrp="1" noRot="1" noChangeAspect="1"/>
+          </p:cNvSpPr>
+          <p:nvPr>
+            <p:ph type="sldImg"/>
+          </p:nvPr>
+        </p:nvSpPr>
+        <p:spPr/>
+      </p:sp>
+      <p:sp>
+        <p:nvSpPr>
+          <p:cNvPr id="3" name="Notes Placeholder 2"/>
+          <p:cNvSpPr>
+            <a:spLocks noGrp="1"/>
+          </p:cNvSpPr>
+          <p:nvPr>
+            <p:ph type="body" idx="1"/>
+          </p:nvPr>
+        </p:nvSpPr>
+        <p:spPr/>
+        <p:txBody>
+          <a:bodyPr/>
+          <a:lstStyle/>
+          <a:p>
             <a:r>
               <a:rPr lang="en-US" dirty="0"/>
               <a:t>https://images.app.goo.gl/8iXCxbdMQcAsC1Wy9</a:t>
@@ -624,7 +795,7 @@
           <a:p>
             <a:fld id="{2CB35C6C-FB0E-4A08-BEB0-393EE2B265A9}" type="slidenum">
               <a:rPr lang="en-US" smtClean="0"/>
-              <a:t>9</a:t>
+              <a:t>12</a:t>
             </a:fld>
             <a:endParaRPr lang="en-US"/>
           </a:p>
@@ -790,7 +961,7 @@
           <a:p>
             <a:fld id="{13C939C2-3453-4791-9F1D-669CFC11A4DD}" type="datetimeFigureOut">
               <a:rPr lang="en-US" smtClean="0"/>
-              <a:t>6/21/2020</a:t>
+              <a:t>7/5/2020</a:t>
             </a:fld>
             <a:endParaRPr lang="en-US"/>
           </a:p>
@@ -988,7 +1159,7 @@
           <a:p>
             <a:fld id="{13C939C2-3453-4791-9F1D-669CFC11A4DD}" type="datetimeFigureOut">
               <a:rPr lang="en-US" smtClean="0"/>
-              <a:t>6/21/2020</a:t>
+              <a:t>7/5/2020</a:t>
             </a:fld>
             <a:endParaRPr lang="en-US"/>
           </a:p>
@@ -1196,7 +1367,7 @@
           <a:p>
             <a:fld id="{13C939C2-3453-4791-9F1D-669CFC11A4DD}" type="datetimeFigureOut">
               <a:rPr lang="en-US" smtClean="0"/>
-              <a:t>6/21/2020</a:t>
+              <a:t>7/5/2020</a:t>
             </a:fld>
             <a:endParaRPr lang="en-US"/>
           </a:p>
@@ -1394,7 +1565,7 @@
           <a:p>
             <a:fld id="{13C939C2-3453-4791-9F1D-669CFC11A4DD}" type="datetimeFigureOut">
               <a:rPr lang="en-US" smtClean="0"/>
-              <a:t>6/21/2020</a:t>
+              <a:t>7/5/2020</a:t>
             </a:fld>
             <a:endParaRPr lang="en-US"/>
           </a:p>
@@ -1669,7 +1840,7 @@
           <a:p>
             <a:fld id="{13C939C2-3453-4791-9F1D-669CFC11A4DD}" type="datetimeFigureOut">
               <a:rPr lang="en-US" smtClean="0"/>
-              <a:t>6/21/2020</a:t>
+              <a:t>7/5/2020</a:t>
             </a:fld>
             <a:endParaRPr lang="en-US"/>
           </a:p>
@@ -1934,7 +2105,7 @@
           <a:p>
             <a:fld id="{13C939C2-3453-4791-9F1D-669CFC11A4DD}" type="datetimeFigureOut">
               <a:rPr lang="en-US" smtClean="0"/>
-              <a:t>6/21/2020</a:t>
+              <a:t>7/5/2020</a:t>
             </a:fld>
             <a:endParaRPr lang="en-US"/>
           </a:p>
@@ -2346,7 +2517,7 @@
           <a:p>
             <a:fld id="{13C939C2-3453-4791-9F1D-669CFC11A4DD}" type="datetimeFigureOut">
               <a:rPr lang="en-US" smtClean="0"/>
-              <a:t>6/21/2020</a:t>
+              <a:t>7/5/2020</a:t>
             </a:fld>
             <a:endParaRPr lang="en-US"/>
           </a:p>
@@ -2487,7 +2658,7 @@
           <a:p>
             <a:fld id="{13C939C2-3453-4791-9F1D-669CFC11A4DD}" type="datetimeFigureOut">
               <a:rPr lang="en-US" smtClean="0"/>
-              <a:t>6/21/2020</a:t>
+              <a:t>7/5/2020</a:t>
             </a:fld>
             <a:endParaRPr lang="en-US"/>
           </a:p>
@@ -2600,7 +2771,7 @@
           <a:p>
             <a:fld id="{13C939C2-3453-4791-9F1D-669CFC11A4DD}" type="datetimeFigureOut">
               <a:rPr lang="en-US" smtClean="0"/>
-              <a:t>6/21/2020</a:t>
+              <a:t>7/5/2020</a:t>
             </a:fld>
             <a:endParaRPr lang="en-US"/>
           </a:p>
@@ -2911,7 +3082,7 @@
           <a:p>
             <a:fld id="{13C939C2-3453-4791-9F1D-669CFC11A4DD}" type="datetimeFigureOut">
               <a:rPr lang="en-US" smtClean="0"/>
-              <a:t>6/21/2020</a:t>
+              <a:t>7/5/2020</a:t>
             </a:fld>
             <a:endParaRPr lang="en-US"/>
           </a:p>
@@ -3199,7 +3370,7 @@
           <a:p>
             <a:fld id="{13C939C2-3453-4791-9F1D-669CFC11A4DD}" type="datetimeFigureOut">
               <a:rPr lang="en-US" smtClean="0"/>
-              <a:t>6/21/2020</a:t>
+              <a:t>7/5/2020</a:t>
             </a:fld>
             <a:endParaRPr lang="en-US"/>
           </a:p>
@@ -3440,7 +3611,7 @@
           <a:p>
             <a:fld id="{13C939C2-3453-4791-9F1D-669CFC11A4DD}" type="datetimeFigureOut">
               <a:rPr lang="en-US" smtClean="0"/>
-              <a:t>6/21/2020</a:t>
+              <a:t>7/5/2020</a:t>
             </a:fld>
             <a:endParaRPr lang="en-US"/>
           </a:p>
@@ -4316,7 +4487,7 @@
 </p:sld>
 </file>
 
-<file path=ppt/slides/slide2.xml><?xml version="1.0" encoding="utf-8"?>
+<file path=ppt/slides/slide10.xml><?xml version="1.0" encoding="utf-8"?>
 <p:sld xmlns:a="http://schemas.openxmlformats.org/drawingml/2006/main" xmlns:r="http://schemas.openxmlformats.org/officeDocument/2006/relationships" xmlns:p="http://schemas.openxmlformats.org/presentationml/2006/main">
   <p:cSld>
     <p:spTree>
@@ -4348,12 +4519,12 @@
           <p:nvPr/>
         </p:nvPicPr>
         <p:blipFill>
-          <a:blip r:embed="rId2">
+          <a:blip r:embed="rId3">
             <a:alphaModFix/>
             <a:extLst>
               <a:ext uri="{BEBA8EAE-BF5A-486C-A8C5-ECC9F3942E4B}">
                 <a14:imgProps xmlns:a14="http://schemas.microsoft.com/office/drawing/2010/main">
-                  <a14:imgLayer r:embed="rId3">
+                  <a14:imgLayer r:embed="rId4">
                     <a14:imgEffect>
                       <a14:artisticPaintStrokes/>
                     </a14:imgEffect>
@@ -4409,7 +4580,7 @@
                   <a:schemeClr val="bg1"/>
                 </a:solidFill>
               </a:rPr>
-              <a:t>The Task &amp; Goal</a:t>
+              <a:t>Recommendations</a:t>
             </a:r>
           </a:p>
         </p:txBody>
@@ -4430,9 +4601,16 @@
             <p:ph idx="1"/>
           </p:nvPr>
         </p:nvSpPr>
-        <p:spPr/>
-        <p:txBody>
-          <a:bodyPr/>
+        <p:spPr>
+          <a:xfrm>
+            <a:off x="838200" y="1825625"/>
+            <a:ext cx="6121012" cy="4667250"/>
+          </a:xfrm>
+        </p:spPr>
+        <p:txBody>
+          <a:bodyPr>
+            <a:normAutofit fontScale="92500"/>
+          </a:bodyPr>
           <a:lstStyle/>
           <a:p>
             <a:r>
@@ -4441,10 +4619,66 @@
                   <a:schemeClr val="bg1"/>
                 </a:solidFill>
               </a:rPr>
-              <a:t>Create a model that can ‘read’ tweets</a:t>
-            </a:r>
-          </a:p>
-          <a:p>
+              <a:t>This model is best used in a binary sense</a:t>
+            </a:r>
+          </a:p>
+          <a:p>
+            <a:pPr lvl="1"/>
+            <a:r>
+              <a:rPr lang="en-US" dirty="0">
+                <a:solidFill>
+                  <a:schemeClr val="bg1"/>
+                </a:solidFill>
+              </a:rPr>
+              <a:t>It can be used to help filter ‘Neutral’ tweets</a:t>
+            </a:r>
+          </a:p>
+          <a:p>
+            <a:pPr lvl="2"/>
+            <a:r>
+              <a:rPr lang="en-US" dirty="0">
+                <a:solidFill>
+                  <a:schemeClr val="bg1"/>
+                </a:solidFill>
+              </a:rPr>
+              <a:t>At the cost of 43% loss of non-neutral tweets (per class)</a:t>
+            </a:r>
+          </a:p>
+          <a:p>
+            <a:pPr lvl="2"/>
+            <a:r>
+              <a:rPr lang="en-US" dirty="0">
+                <a:solidFill>
+                  <a:schemeClr val="bg1"/>
+                </a:solidFill>
+              </a:rPr>
+              <a:t>The rest is likely non-neutral</a:t>
+            </a:r>
+          </a:p>
+          <a:p>
+            <a:pPr lvl="1"/>
+            <a:r>
+              <a:rPr lang="en-US" dirty="0">
+                <a:solidFill>
+                  <a:schemeClr val="bg1"/>
+                </a:solidFill>
+              </a:rPr>
+              <a:t>Can help sift through large amounts of tweets before humans</a:t>
+            </a:r>
+          </a:p>
+          <a:p>
+            <a:pPr lvl="2"/>
+            <a:r>
+              <a:rPr lang="en-US" dirty="0">
+                <a:solidFill>
+                  <a:schemeClr val="bg1"/>
+                </a:solidFill>
+              </a:rPr>
+              <a:t>With 75% intra-class accuracy, can have humans look over rest</a:t>
+            </a:r>
+          </a:p>
+          <a:p>
+            <a:pPr lvl="2"/>
             <a:endParaRPr lang="en-US" dirty="0">
               <a:solidFill>
                 <a:schemeClr val="bg1"/>
@@ -4458,7 +4692,7 @@
                   <a:schemeClr val="bg1"/>
                 </a:solidFill>
               </a:rPr>
-              <a:t>Detect sentiment:	</a:t>
+              <a:t>People care about time and money</a:t>
             </a:r>
           </a:p>
           <a:p>
@@ -4469,7 +4703,7 @@
                   <a:schemeClr val="bg1"/>
                 </a:solidFill>
               </a:rPr>
-              <a:t>Positive</a:t>
+              <a:t>Free is better!</a:t>
             </a:r>
           </a:p>
           <a:p>
@@ -4480,7 +4714,200 @@
                   <a:schemeClr val="bg1"/>
                 </a:solidFill>
               </a:rPr>
-              <a:t>Negative	</a:t>
+              <a:t>Time is money</a:t>
+            </a:r>
+          </a:p>
+        </p:txBody>
+      </p:sp>
+      <p:pic>
+        <p:nvPicPr>
+          <p:cNvPr id="4098" name="Picture 2" descr="Sample Letter of Recommendation for MS [2020] | AdmissionTable.com">
+            <a:extLst>
+              <a:ext uri="{FF2B5EF4-FFF2-40B4-BE49-F238E27FC236}">
+                <a16:creationId xmlns:a16="http://schemas.microsoft.com/office/drawing/2014/main" id="{F2A51D38-4FB5-4DD4-8443-E88F0065BD9F}"/>
+              </a:ext>
+            </a:extLst>
+          </p:cNvPr>
+          <p:cNvPicPr>
+            <a:picLocks noChangeAspect="1" noChangeArrowheads="1"/>
+          </p:cNvPicPr>
+          <p:nvPr/>
+        </p:nvPicPr>
+        <p:blipFill>
+          <a:blip r:embed="rId5">
+            <a:extLst>
+              <a:ext uri="{28A0092B-C50C-407E-A947-70E740481C1C}">
+                <a14:useLocalDpi xmlns:a14="http://schemas.microsoft.com/office/drawing/2010/main" val="0"/>
+              </a:ext>
+            </a:extLst>
+          </a:blip>
+          <a:srcRect/>
+          <a:stretch>
+            <a:fillRect/>
+          </a:stretch>
+        </p:blipFill>
+        <p:spPr bwMode="auto">
+          <a:xfrm>
+            <a:off x="6959212" y="2987361"/>
+            <a:ext cx="4727692" cy="2573966"/>
+          </a:xfrm>
+          <a:prstGeom prst="rect">
+            <a:avLst/>
+          </a:prstGeom>
+          <a:noFill/>
+          <a:effectLst>
+            <a:reflection stA="15000" endPos="92000" dir="5400000" sy="-100000" algn="bl" rotWithShape="0"/>
+          </a:effectLst>
+          <a:extLst>
+            <a:ext uri="{909E8E84-426E-40DD-AFC4-6F175D3DCCD1}">
+              <a14:hiddenFill xmlns:a14="http://schemas.microsoft.com/office/drawing/2010/main">
+                <a:solidFill>
+                  <a:srgbClr val="FFFFFF"/>
+                </a:solidFill>
+              </a14:hiddenFill>
+            </a:ext>
+          </a:extLst>
+        </p:spPr>
+      </p:pic>
+    </p:spTree>
+    <p:extLst>
+      <p:ext uri="{BB962C8B-B14F-4D97-AF65-F5344CB8AC3E}">
+        <p14:creationId xmlns:p14="http://schemas.microsoft.com/office/powerpoint/2010/main" val="3142295864"/>
+      </p:ext>
+    </p:extLst>
+  </p:cSld>
+  <p:clrMapOvr>
+    <a:masterClrMapping/>
+  </p:clrMapOvr>
+</p:sld>
+</file>
+
+<file path=ppt/slides/slide11.xml><?xml version="1.0" encoding="utf-8"?>
+<p:sld xmlns:a="http://schemas.openxmlformats.org/drawingml/2006/main" xmlns:r="http://schemas.openxmlformats.org/officeDocument/2006/relationships" xmlns:p="http://schemas.openxmlformats.org/presentationml/2006/main">
+  <p:cSld>
+    <p:spTree>
+      <p:nvGrpSpPr>
+        <p:cNvPr id="1" name=""/>
+        <p:cNvGrpSpPr/>
+        <p:nvPr/>
+      </p:nvGrpSpPr>
+      <p:grpSpPr>
+        <a:xfrm>
+          <a:off x="0" y="0"/>
+          <a:ext cx="0" cy="0"/>
+          <a:chOff x="0" y="0"/>
+          <a:chExt cx="0" cy="0"/>
+        </a:xfrm>
+      </p:grpSpPr>
+      <p:pic>
+        <p:nvPicPr>
+          <p:cNvPr id="4" name="Picture 3">
+            <a:extLst>
+              <a:ext uri="{FF2B5EF4-FFF2-40B4-BE49-F238E27FC236}">
+                <a16:creationId xmlns:a16="http://schemas.microsoft.com/office/drawing/2014/main" id="{B7CA53AD-D350-4223-AE6C-57E2FA19D0A6}"/>
+              </a:ext>
+            </a:extLst>
+          </p:cNvPr>
+          <p:cNvPicPr>
+            <a:picLocks noChangeAspect="1"/>
+          </p:cNvPicPr>
+          <p:nvPr/>
+        </p:nvPicPr>
+        <p:blipFill>
+          <a:blip r:embed="rId2">
+            <a:alphaModFix/>
+            <a:extLst>
+              <a:ext uri="{BEBA8EAE-BF5A-486C-A8C5-ECC9F3942E4B}">
+                <a14:imgProps xmlns:a14="http://schemas.microsoft.com/office/drawing/2010/main">
+                  <a14:imgLayer r:embed="rId3">
+                    <a14:imgEffect>
+                      <a14:artisticPaintStrokes/>
+                    </a14:imgEffect>
+                  </a14:imgLayer>
+                </a14:imgProps>
+              </a:ext>
+            </a:extLst>
+          </a:blip>
+          <a:stretch>
+            <a:fillRect/>
+          </a:stretch>
+        </p:blipFill>
+        <p:spPr>
+          <a:xfrm>
+            <a:off x="0" y="-1"/>
+            <a:ext cx="12192001" cy="6858001"/>
+          </a:xfrm>
+          <a:prstGeom prst="rect">
+            <a:avLst/>
+          </a:prstGeom>
+          <a:effectLst>
+            <a:outerShdw blurRad="50800" dist="50800" dir="5400000" algn="ctr" rotWithShape="0">
+              <a:srgbClr val="000000"/>
+            </a:outerShdw>
+            <a:softEdge rad="0"/>
+          </a:effectLst>
+        </p:spPr>
+      </p:pic>
+      <p:sp>
+        <p:nvSpPr>
+          <p:cNvPr id="2" name="Title 1">
+            <a:extLst>
+              <a:ext uri="{FF2B5EF4-FFF2-40B4-BE49-F238E27FC236}">
+                <a16:creationId xmlns:a16="http://schemas.microsoft.com/office/drawing/2014/main" id="{67A943BD-3F60-4062-B9F7-2D7A76B6F939}"/>
+              </a:ext>
+            </a:extLst>
+          </p:cNvPr>
+          <p:cNvSpPr>
+            <a:spLocks noGrp="1"/>
+          </p:cNvSpPr>
+          <p:nvPr>
+            <p:ph type="title"/>
+          </p:nvPr>
+        </p:nvSpPr>
+        <p:spPr/>
+        <p:txBody>
+          <a:bodyPr/>
+          <a:lstStyle/>
+          <a:p>
+            <a:r>
+              <a:rPr lang="en-US" b="1" dirty="0">
+                <a:solidFill>
+                  <a:schemeClr val="bg1"/>
+                </a:solidFill>
+              </a:rPr>
+              <a:t>Future Works</a:t>
+            </a:r>
+          </a:p>
+        </p:txBody>
+      </p:sp>
+      <p:sp>
+        <p:nvSpPr>
+          <p:cNvPr id="3" name="Content Placeholder 2">
+            <a:extLst>
+              <a:ext uri="{FF2B5EF4-FFF2-40B4-BE49-F238E27FC236}">
+                <a16:creationId xmlns:a16="http://schemas.microsoft.com/office/drawing/2014/main" id="{6A7BFCF5-9A15-4AAE-B2E3-E63AA33FEC83}"/>
+              </a:ext>
+            </a:extLst>
+          </p:cNvPr>
+          <p:cNvSpPr>
+            <a:spLocks noGrp="1"/>
+          </p:cNvSpPr>
+          <p:nvPr>
+            <p:ph idx="1"/>
+          </p:nvPr>
+        </p:nvSpPr>
+        <p:spPr/>
+        <p:txBody>
+          <a:bodyPr/>
+          <a:lstStyle/>
+          <a:p>
+            <a:r>
+              <a:rPr lang="en-US" dirty="0">
+                <a:solidFill>
+                  <a:schemeClr val="bg1"/>
+                </a:solidFill>
+              </a:rPr>
+              <a:t>More Data!</a:t>
             </a:r>
           </a:p>
           <a:p>
@@ -4491,10 +4918,11 @@
                   <a:schemeClr val="bg1"/>
                 </a:solidFill>
               </a:rPr>
-              <a:t>Neutral</a:t>
-            </a:r>
-          </a:p>
-          <a:p>
+              <a:t>More to train with, more learning (generally)</a:t>
+            </a:r>
+          </a:p>
+          <a:p>
+            <a:pPr lvl="1"/>
             <a:endParaRPr lang="en-US" dirty="0">
               <a:solidFill>
                 <a:schemeClr val="bg1"/>
@@ -4508,7 +4936,7 @@
                   <a:schemeClr val="bg1"/>
                 </a:solidFill>
               </a:rPr>
-              <a:t>Gain insight on how public views your ‘product’</a:t>
+              <a:t>More time with different Neural Network architectures</a:t>
             </a:r>
           </a:p>
           <a:p>
@@ -4519,7 +4947,7 @@
                   <a:schemeClr val="bg1"/>
                 </a:solidFill>
               </a:rPr>
-              <a:t>Can help understand behavior online</a:t>
+              <a:t>Unlimited amount of combinations available</a:t>
             </a:r>
           </a:p>
           <a:p>
@@ -4529,8 +4957,702 @@
               </a:solidFill>
             </a:endParaRPr>
           </a:p>
-        </p:txBody>
-      </p:sp>
+          <a:p>
+            <a:r>
+              <a:rPr lang="en-US" dirty="0">
+                <a:solidFill>
+                  <a:schemeClr val="bg1"/>
+                </a:solidFill>
+              </a:rPr>
+              <a:t>Standard Machine Learning methods</a:t>
+            </a:r>
+          </a:p>
+          <a:p>
+            <a:pPr lvl="1"/>
+            <a:r>
+              <a:rPr lang="en-US" dirty="0">
+                <a:solidFill>
+                  <a:schemeClr val="bg1"/>
+                </a:solidFill>
+              </a:rPr>
+              <a:t>Classifier such as </a:t>
+            </a:r>
+            <a:r>
+              <a:rPr lang="en-US" dirty="0" err="1">
+                <a:solidFill>
+                  <a:schemeClr val="bg1"/>
+                </a:solidFill>
+              </a:rPr>
+              <a:t>RandomForest</a:t>
+            </a:r>
+            <a:r>
+              <a:rPr lang="en-US" dirty="0">
+                <a:solidFill>
+                  <a:schemeClr val="bg1"/>
+                </a:solidFill>
+              </a:rPr>
+              <a:t> or Logistic Regression</a:t>
+            </a:r>
+          </a:p>
+        </p:txBody>
+      </p:sp>
+    </p:spTree>
+    <p:extLst>
+      <p:ext uri="{BB962C8B-B14F-4D97-AF65-F5344CB8AC3E}">
+        <p14:creationId xmlns:p14="http://schemas.microsoft.com/office/powerpoint/2010/main" val="3903514241"/>
+      </p:ext>
+    </p:extLst>
+  </p:cSld>
+  <p:clrMapOvr>
+    <a:masterClrMapping/>
+  </p:clrMapOvr>
+</p:sld>
+</file>
+
+<file path=ppt/slides/slide12.xml><?xml version="1.0" encoding="utf-8"?>
+<p:sld xmlns:a="http://schemas.openxmlformats.org/drawingml/2006/main" xmlns:r="http://schemas.openxmlformats.org/officeDocument/2006/relationships" xmlns:p="http://schemas.openxmlformats.org/presentationml/2006/main">
+  <p:cSld>
+    <p:bg>
+      <p:bgPr>
+        <a:solidFill>
+          <a:schemeClr val="bg1"/>
+        </a:solidFill>
+        <a:effectLst/>
+      </p:bgPr>
+    </p:bg>
+    <p:spTree>
+      <p:nvGrpSpPr>
+        <p:cNvPr id="1" name=""/>
+        <p:cNvGrpSpPr/>
+        <p:nvPr/>
+      </p:nvGrpSpPr>
+      <p:grpSpPr>
+        <a:xfrm>
+          <a:off x="0" y="0"/>
+          <a:ext cx="0" cy="0"/>
+          <a:chOff x="0" y="0"/>
+          <a:chExt cx="0" cy="0"/>
+        </a:xfrm>
+      </p:grpSpPr>
+      <p:pic>
+        <p:nvPicPr>
+          <p:cNvPr id="7" name="Picture 6">
+            <a:extLst>
+              <a:ext uri="{FF2B5EF4-FFF2-40B4-BE49-F238E27FC236}">
+                <a16:creationId xmlns:a16="http://schemas.microsoft.com/office/drawing/2014/main" id="{00624096-A6C5-4E36-86D5-07849D72946A}"/>
+              </a:ext>
+            </a:extLst>
+          </p:cNvPr>
+          <p:cNvPicPr>
+            <a:picLocks noChangeAspect="1"/>
+          </p:cNvPicPr>
+          <p:nvPr/>
+        </p:nvPicPr>
+        <p:blipFill>
+          <a:blip r:embed="rId3">
+            <a:alphaModFix/>
+          </a:blip>
+          <a:stretch>
+            <a:fillRect/>
+          </a:stretch>
+        </p:blipFill>
+        <p:spPr>
+          <a:xfrm>
+            <a:off x="0" y="-269966"/>
+            <a:ext cx="12191999" cy="7127966"/>
+          </a:xfrm>
+          <a:prstGeom prst="rect">
+            <a:avLst/>
+          </a:prstGeom>
+        </p:spPr>
+      </p:pic>
+      <p:pic>
+        <p:nvPicPr>
+          <p:cNvPr id="6" name="Picture 5">
+            <a:extLst>
+              <a:ext uri="{FF2B5EF4-FFF2-40B4-BE49-F238E27FC236}">
+                <a16:creationId xmlns:a16="http://schemas.microsoft.com/office/drawing/2014/main" id="{46C464E1-FC43-41E8-9D66-C7DC3F7F6755}"/>
+              </a:ext>
+            </a:extLst>
+          </p:cNvPr>
+          <p:cNvPicPr>
+            <a:picLocks noChangeAspect="1"/>
+          </p:cNvPicPr>
+          <p:nvPr/>
+        </p:nvPicPr>
+        <p:blipFill rotWithShape="1">
+          <a:blip r:embed="rId4">
+            <a:alphaModFix amt="68000"/>
+            <a:extLst>
+              <a:ext uri="{BEBA8EAE-BF5A-486C-A8C5-ECC9F3942E4B}">
+                <a14:imgProps xmlns:a14="http://schemas.microsoft.com/office/drawing/2010/main">
+                  <a14:imgLayer r:embed="rId5">
+                    <a14:imgEffect>
+                      <a14:artisticGlowEdges/>
+                    </a14:imgEffect>
+                  </a14:imgLayer>
+                </a14:imgProps>
+              </a:ext>
+            </a:extLst>
+          </a:blip>
+          <a:srcRect t="6887" b="3471"/>
+          <a:stretch/>
+        </p:blipFill>
+        <p:spPr>
+          <a:xfrm>
+            <a:off x="20" y="10"/>
+            <a:ext cx="12191980" cy="6857990"/>
+          </a:xfrm>
+          <a:prstGeom prst="rect">
+            <a:avLst/>
+          </a:prstGeom>
+        </p:spPr>
+      </p:pic>
+      <p:sp>
+        <p:nvSpPr>
+          <p:cNvPr id="11" name="Rectangle 10">
+            <a:extLst>
+              <a:ext uri="{FF2B5EF4-FFF2-40B4-BE49-F238E27FC236}">
+                <a16:creationId xmlns:a16="http://schemas.microsoft.com/office/drawing/2014/main" id="{37C89E4B-3C9F-44B9-8B86-D9E3D112D8EC}"/>
+              </a:ext>
+              <a:ext uri="{C183D7F6-B498-43B3-948B-1728B52AA6E4}">
+                <adec:decorative xmlns:adec="http://schemas.microsoft.com/office/drawing/2017/decorative" val="1"/>
+              </a:ext>
+            </a:extLst>
+          </p:cNvPr>
+          <p:cNvSpPr>
+            <a:spLocks noGrp="1" noRot="1" noChangeAspect="1" noMove="1" noResize="1" noEditPoints="1" noAdjustHandles="1" noChangeArrowheads="1" noChangeShapeType="1" noTextEdit="1"/>
+          </p:cNvSpPr>
+          <p:nvPr>
+            <p:extLst>
+              <p:ext uri="{386F3935-93C4-4BCD-93E2-E3B085C9AB24}">
+                <p16:designElem xmlns:p16="http://schemas.microsoft.com/office/powerpoint/2015/main" val="1"/>
+              </p:ext>
+            </p:extLst>
+          </p:nvPr>
+        </p:nvSpPr>
+        <p:spPr>
+          <a:xfrm>
+            <a:off x="0" y="5320142"/>
+            <a:ext cx="12192000" cy="736551"/>
+          </a:xfrm>
+          <a:prstGeom prst="rect">
+            <a:avLst/>
+          </a:prstGeom>
+          <a:solidFill>
+            <a:schemeClr val="bg1">
+              <a:alpha val="93000"/>
+            </a:schemeClr>
+          </a:solidFill>
+          <a:ln>
+            <a:noFill/>
+          </a:ln>
+        </p:spPr>
+        <p:style>
+          <a:lnRef idx="2">
+            <a:schemeClr val="accent1">
+              <a:shade val="50000"/>
+            </a:schemeClr>
+          </a:lnRef>
+          <a:fillRef idx="1">
+            <a:schemeClr val="accent1"/>
+          </a:fillRef>
+          <a:effectRef idx="0">
+            <a:schemeClr val="accent1"/>
+          </a:effectRef>
+          <a:fontRef idx="minor">
+            <a:schemeClr val="lt1"/>
+          </a:fontRef>
+        </p:style>
+        <p:txBody>
+          <a:bodyPr rtlCol="0" anchor="ctr"/>
+          <a:lstStyle/>
+          <a:p>
+            <a:pPr algn="ctr"/>
+            <a:endParaRPr lang="en-US"/>
+          </a:p>
+        </p:txBody>
+      </p:sp>
+      <p:sp>
+        <p:nvSpPr>
+          <p:cNvPr id="2" name="Title 1">
+            <a:extLst>
+              <a:ext uri="{FF2B5EF4-FFF2-40B4-BE49-F238E27FC236}">
+                <a16:creationId xmlns:a16="http://schemas.microsoft.com/office/drawing/2014/main" id="{6E044D5C-7147-43D9-9CA0-71272AA19F85}"/>
+              </a:ext>
+            </a:extLst>
+          </p:cNvPr>
+          <p:cNvSpPr>
+            <a:spLocks noGrp="1"/>
+          </p:cNvSpPr>
+          <p:nvPr>
+            <p:ph type="title"/>
+          </p:nvPr>
+        </p:nvSpPr>
+        <p:spPr>
+          <a:xfrm>
+            <a:off x="523875" y="5317240"/>
+            <a:ext cx="11210925" cy="744836"/>
+          </a:xfrm>
+        </p:spPr>
+        <p:txBody>
+          <a:bodyPr>
+            <a:normAutofit/>
+          </a:bodyPr>
+          <a:lstStyle/>
+          <a:p>
+            <a:pPr algn="ctr"/>
+            <a:r>
+              <a:rPr lang="en-US" sz="3600" b="1" dirty="0">
+                <a:solidFill>
+                  <a:schemeClr val="tx1">
+                    <a:lumMod val="85000"/>
+                    <a:lumOff val="15000"/>
+                  </a:schemeClr>
+                </a:solidFill>
+              </a:rPr>
+              <a:t>Thank You!</a:t>
+            </a:r>
+          </a:p>
+        </p:txBody>
+      </p:sp>
+      <p:cxnSp>
+        <p:nvCxnSpPr>
+          <p:cNvPr id="13" name="Straight Connector 12">
+            <a:extLst>
+              <a:ext uri="{FF2B5EF4-FFF2-40B4-BE49-F238E27FC236}">
+                <a16:creationId xmlns:a16="http://schemas.microsoft.com/office/drawing/2014/main" id="{AA2EAA10-076F-46BD-8F0F-B9A2FB77A85C}"/>
+              </a:ext>
+              <a:ext uri="{C183D7F6-B498-43B3-948B-1728B52AA6E4}">
+                <adec:decorative xmlns:adec="http://schemas.microsoft.com/office/drawing/2017/decorative" val="1"/>
+              </a:ext>
+            </a:extLst>
+          </p:cNvPr>
+          <p:cNvCxnSpPr>
+            <a:cxnSpLocks noGrp="1" noRot="1" noChangeAspect="1" noMove="1" noResize="1" noEditPoints="1" noAdjustHandles="1" noChangeArrowheads="1" noChangeShapeType="1"/>
+          </p:cNvCxnSpPr>
+          <p:nvPr>
+            <p:extLst>
+              <p:ext uri="{386F3935-93C4-4BCD-93E2-E3B085C9AB24}">
+                <p16:designElem xmlns:p16="http://schemas.microsoft.com/office/powerpoint/2015/main" val="1"/>
+              </p:ext>
+            </p:extLst>
+          </p:nvPr>
+        </p:nvCxnSpPr>
+        <p:spPr>
+          <a:xfrm>
+            <a:off x="0" y="5241983"/>
+            <a:ext cx="12192000" cy="0"/>
+          </a:xfrm>
+          <a:prstGeom prst="line">
+            <a:avLst/>
+          </a:prstGeom>
+          <a:ln w="41275">
+            <a:solidFill>
+              <a:schemeClr val="bg1">
+                <a:alpha val="90000"/>
+              </a:schemeClr>
+            </a:solidFill>
+          </a:ln>
+        </p:spPr>
+        <p:style>
+          <a:lnRef idx="1">
+            <a:schemeClr val="accent1"/>
+          </a:lnRef>
+          <a:fillRef idx="0">
+            <a:schemeClr val="accent1"/>
+          </a:fillRef>
+          <a:effectRef idx="0">
+            <a:schemeClr val="accent1"/>
+          </a:effectRef>
+          <a:fontRef idx="minor">
+            <a:schemeClr val="tx1"/>
+          </a:fontRef>
+        </p:style>
+      </p:cxnSp>
+      <p:cxnSp>
+        <p:nvCxnSpPr>
+          <p:cNvPr id="15" name="Straight Connector 14">
+            <a:extLst>
+              <a:ext uri="{FF2B5EF4-FFF2-40B4-BE49-F238E27FC236}">
+                <a16:creationId xmlns:a16="http://schemas.microsoft.com/office/drawing/2014/main" id="{D891E407-403B-4764-86C9-33A56D3BCAA3}"/>
+              </a:ext>
+              <a:ext uri="{C183D7F6-B498-43B3-948B-1728B52AA6E4}">
+                <adec:decorative xmlns:adec="http://schemas.microsoft.com/office/drawing/2017/decorative" val="1"/>
+              </a:ext>
+            </a:extLst>
+          </p:cNvPr>
+          <p:cNvCxnSpPr>
+            <a:cxnSpLocks noGrp="1" noRot="1" noChangeAspect="1" noMove="1" noResize="1" noEditPoints="1" noAdjustHandles="1" noChangeArrowheads="1" noChangeShapeType="1"/>
+          </p:cNvCxnSpPr>
+          <p:nvPr>
+            <p:extLst>
+              <p:ext uri="{386F3935-93C4-4BCD-93E2-E3B085C9AB24}">
+                <p16:designElem xmlns:p16="http://schemas.microsoft.com/office/powerpoint/2015/main" val="1"/>
+              </p:ext>
+            </p:extLst>
+          </p:nvPr>
+        </p:nvCxnSpPr>
+        <p:spPr>
+          <a:xfrm>
+            <a:off x="0" y="6134852"/>
+            <a:ext cx="12192000" cy="0"/>
+          </a:xfrm>
+          <a:prstGeom prst="line">
+            <a:avLst/>
+          </a:prstGeom>
+          <a:ln w="41275">
+            <a:solidFill>
+              <a:schemeClr val="bg1">
+                <a:alpha val="90000"/>
+              </a:schemeClr>
+            </a:solidFill>
+          </a:ln>
+        </p:spPr>
+        <p:style>
+          <a:lnRef idx="1">
+            <a:schemeClr val="accent1"/>
+          </a:lnRef>
+          <a:fillRef idx="0">
+            <a:schemeClr val="accent1"/>
+          </a:fillRef>
+          <a:effectRef idx="0">
+            <a:schemeClr val="accent1"/>
+          </a:effectRef>
+          <a:fontRef idx="minor">
+            <a:schemeClr val="tx1"/>
+          </a:fontRef>
+        </p:style>
+      </p:cxnSp>
+    </p:spTree>
+    <p:extLst>
+      <p:ext uri="{BB962C8B-B14F-4D97-AF65-F5344CB8AC3E}">
+        <p14:creationId xmlns:p14="http://schemas.microsoft.com/office/powerpoint/2010/main" val="1699259725"/>
+      </p:ext>
+    </p:extLst>
+  </p:cSld>
+  <p:clrMapOvr>
+    <a:masterClrMapping/>
+  </p:clrMapOvr>
+</p:sld>
+</file>
+
+<file path=ppt/slides/slide2.xml><?xml version="1.0" encoding="utf-8"?>
+<p:sld xmlns:a="http://schemas.openxmlformats.org/drawingml/2006/main" xmlns:r="http://schemas.openxmlformats.org/officeDocument/2006/relationships" xmlns:p="http://schemas.openxmlformats.org/presentationml/2006/main">
+  <p:cSld>
+    <p:spTree>
+      <p:nvGrpSpPr>
+        <p:cNvPr id="1" name=""/>
+        <p:cNvGrpSpPr/>
+        <p:nvPr/>
+      </p:nvGrpSpPr>
+      <p:grpSpPr>
+        <a:xfrm>
+          <a:off x="0" y="0"/>
+          <a:ext cx="0" cy="0"/>
+          <a:chOff x="0" y="0"/>
+          <a:chExt cx="0" cy="0"/>
+        </a:xfrm>
+      </p:grpSpPr>
+      <p:pic>
+        <p:nvPicPr>
+          <p:cNvPr id="4" name="Picture 3">
+            <a:extLst>
+              <a:ext uri="{FF2B5EF4-FFF2-40B4-BE49-F238E27FC236}">
+                <a16:creationId xmlns:a16="http://schemas.microsoft.com/office/drawing/2014/main" id="{B7CA53AD-D350-4223-AE6C-57E2FA19D0A6}"/>
+              </a:ext>
+            </a:extLst>
+          </p:cNvPr>
+          <p:cNvPicPr>
+            <a:picLocks noChangeAspect="1"/>
+          </p:cNvPicPr>
+          <p:nvPr/>
+        </p:nvPicPr>
+        <p:blipFill>
+          <a:blip r:embed="rId2">
+            <a:alphaModFix/>
+            <a:extLst>
+              <a:ext uri="{BEBA8EAE-BF5A-486C-A8C5-ECC9F3942E4B}">
+                <a14:imgProps xmlns:a14="http://schemas.microsoft.com/office/drawing/2010/main">
+                  <a14:imgLayer r:embed="rId3">
+                    <a14:imgEffect>
+                      <a14:artisticPaintStrokes/>
+                    </a14:imgEffect>
+                  </a14:imgLayer>
+                </a14:imgProps>
+              </a:ext>
+            </a:extLst>
+          </a:blip>
+          <a:stretch>
+            <a:fillRect/>
+          </a:stretch>
+        </p:blipFill>
+        <p:spPr>
+          <a:xfrm>
+            <a:off x="0" y="-1"/>
+            <a:ext cx="12192001" cy="6858001"/>
+          </a:xfrm>
+          <a:prstGeom prst="rect">
+            <a:avLst/>
+          </a:prstGeom>
+          <a:effectLst>
+            <a:outerShdw blurRad="50800" dist="50800" dir="5400000" algn="ctr" rotWithShape="0">
+              <a:srgbClr val="000000"/>
+            </a:outerShdw>
+            <a:softEdge rad="0"/>
+          </a:effectLst>
+        </p:spPr>
+      </p:pic>
+      <p:sp>
+        <p:nvSpPr>
+          <p:cNvPr id="2" name="Title 1">
+            <a:extLst>
+              <a:ext uri="{FF2B5EF4-FFF2-40B4-BE49-F238E27FC236}">
+                <a16:creationId xmlns:a16="http://schemas.microsoft.com/office/drawing/2014/main" id="{67A943BD-3F60-4062-B9F7-2D7A76B6F939}"/>
+              </a:ext>
+            </a:extLst>
+          </p:cNvPr>
+          <p:cNvSpPr>
+            <a:spLocks noGrp="1"/>
+          </p:cNvSpPr>
+          <p:nvPr>
+            <p:ph type="title"/>
+          </p:nvPr>
+        </p:nvSpPr>
+        <p:spPr/>
+        <p:txBody>
+          <a:bodyPr/>
+          <a:lstStyle/>
+          <a:p>
+            <a:r>
+              <a:rPr lang="en-US" b="1" dirty="0">
+                <a:solidFill>
+                  <a:schemeClr val="bg1"/>
+                </a:solidFill>
+              </a:rPr>
+              <a:t>The Task &amp; Goal</a:t>
+            </a:r>
+          </a:p>
+        </p:txBody>
+      </p:sp>
+      <p:sp>
+        <p:nvSpPr>
+          <p:cNvPr id="3" name="Content Placeholder 2">
+            <a:extLst>
+              <a:ext uri="{FF2B5EF4-FFF2-40B4-BE49-F238E27FC236}">
+                <a16:creationId xmlns:a16="http://schemas.microsoft.com/office/drawing/2014/main" id="{6A7BFCF5-9A15-4AAE-B2E3-E63AA33FEC83}"/>
+              </a:ext>
+            </a:extLst>
+          </p:cNvPr>
+          <p:cNvSpPr>
+            <a:spLocks noGrp="1"/>
+          </p:cNvSpPr>
+          <p:nvPr>
+            <p:ph idx="1"/>
+          </p:nvPr>
+        </p:nvSpPr>
+        <p:spPr>
+          <a:xfrm>
+            <a:off x="838200" y="1825625"/>
+            <a:ext cx="7156269" cy="4351338"/>
+          </a:xfrm>
+        </p:spPr>
+        <p:txBody>
+          <a:bodyPr>
+            <a:normAutofit lnSpcReduction="10000"/>
+          </a:bodyPr>
+          <a:lstStyle/>
+          <a:p>
+            <a:r>
+              <a:rPr lang="en-US" dirty="0">
+                <a:solidFill>
+                  <a:schemeClr val="bg1"/>
+                </a:solidFill>
+              </a:rPr>
+              <a:t>Create a model that can ‘read’ tweets</a:t>
+            </a:r>
+          </a:p>
+          <a:p>
+            <a:endParaRPr lang="en-US" dirty="0">
+              <a:solidFill>
+                <a:schemeClr val="bg1"/>
+              </a:solidFill>
+            </a:endParaRPr>
+          </a:p>
+          <a:p>
+            <a:r>
+              <a:rPr lang="en-US" dirty="0">
+                <a:solidFill>
+                  <a:schemeClr val="bg1"/>
+                </a:solidFill>
+              </a:rPr>
+              <a:t>Detect sentiment:	</a:t>
+            </a:r>
+          </a:p>
+          <a:p>
+            <a:pPr lvl="1"/>
+            <a:r>
+              <a:rPr lang="en-US" dirty="0">
+                <a:solidFill>
+                  <a:schemeClr val="bg1"/>
+                </a:solidFill>
+              </a:rPr>
+              <a:t>Positive</a:t>
+            </a:r>
+          </a:p>
+          <a:p>
+            <a:pPr lvl="1"/>
+            <a:r>
+              <a:rPr lang="en-US" dirty="0">
+                <a:solidFill>
+                  <a:schemeClr val="bg1"/>
+                </a:solidFill>
+              </a:rPr>
+              <a:t>Negative	</a:t>
+            </a:r>
+          </a:p>
+          <a:p>
+            <a:pPr lvl="1"/>
+            <a:r>
+              <a:rPr lang="en-US" dirty="0">
+                <a:solidFill>
+                  <a:schemeClr val="bg1"/>
+                </a:solidFill>
+              </a:rPr>
+              <a:t>Neutral</a:t>
+            </a:r>
+          </a:p>
+          <a:p>
+            <a:endParaRPr lang="en-US" dirty="0">
+              <a:solidFill>
+                <a:schemeClr val="bg1"/>
+              </a:solidFill>
+            </a:endParaRPr>
+          </a:p>
+          <a:p>
+            <a:r>
+              <a:rPr lang="en-US" dirty="0">
+                <a:solidFill>
+                  <a:schemeClr val="bg1"/>
+                </a:solidFill>
+              </a:rPr>
+              <a:t>Gain insight on how public views your ‘product’</a:t>
+            </a:r>
+          </a:p>
+          <a:p>
+            <a:pPr lvl="1"/>
+            <a:r>
+              <a:rPr lang="en-US" dirty="0">
+                <a:solidFill>
+                  <a:schemeClr val="bg1"/>
+                </a:solidFill>
+              </a:rPr>
+              <a:t>Can help understand behavior online</a:t>
+            </a:r>
+          </a:p>
+          <a:p>
+            <a:endParaRPr lang="en-US" dirty="0">
+              <a:solidFill>
+                <a:schemeClr val="bg1"/>
+              </a:solidFill>
+            </a:endParaRPr>
+          </a:p>
+        </p:txBody>
+      </p:sp>
+      <p:pic>
+        <p:nvPicPr>
+          <p:cNvPr id="1028" name="Picture 4" descr="Clipart Of Reading 02 - Good School Hunting">
+            <a:extLst>
+              <a:ext uri="{FF2B5EF4-FFF2-40B4-BE49-F238E27FC236}">
+                <a16:creationId xmlns:a16="http://schemas.microsoft.com/office/drawing/2014/main" id="{26C331AB-4F1A-4FC2-B4D8-2ED3A5ACE661}"/>
+              </a:ext>
+            </a:extLst>
+          </p:cNvPr>
+          <p:cNvPicPr>
+            <a:picLocks noChangeAspect="1" noChangeArrowheads="1"/>
+          </p:cNvPicPr>
+          <p:nvPr/>
+        </p:nvPicPr>
+        <p:blipFill>
+          <a:blip r:embed="rId4">
+            <a:extLst>
+              <a:ext uri="{28A0092B-C50C-407E-A947-70E740481C1C}">
+                <a14:useLocalDpi xmlns:a14="http://schemas.microsoft.com/office/drawing/2010/main" val="0"/>
+              </a:ext>
+            </a:extLst>
+          </a:blip>
+          <a:srcRect/>
+          <a:stretch>
+            <a:fillRect/>
+          </a:stretch>
+        </p:blipFill>
+        <p:spPr bwMode="auto">
+          <a:xfrm>
+            <a:off x="7303010" y="2410096"/>
+            <a:ext cx="4544456" cy="2899363"/>
+          </a:xfrm>
+          <a:prstGeom prst="rect">
+            <a:avLst/>
+          </a:prstGeom>
+          <a:noFill/>
+          <a:extLst>
+            <a:ext uri="{909E8E84-426E-40DD-AFC4-6F175D3DCCD1}">
+              <a14:hiddenFill xmlns:a14="http://schemas.microsoft.com/office/drawing/2010/main">
+                <a:solidFill>
+                  <a:srgbClr val="FFFFFF"/>
+                </a:solidFill>
+              </a14:hiddenFill>
+            </a:ext>
+          </a:extLst>
+        </p:spPr>
+      </p:pic>
+      <p:pic>
+        <p:nvPicPr>
+          <p:cNvPr id="1032" name="Picture 8" descr="twitter-logo-clipart-free-20 | Metric Metal">
+            <a:extLst>
+              <a:ext uri="{FF2B5EF4-FFF2-40B4-BE49-F238E27FC236}">
+                <a16:creationId xmlns:a16="http://schemas.microsoft.com/office/drawing/2014/main" id="{14418E7B-368F-4E62-ABD1-CAFA9B82620B}"/>
+              </a:ext>
+            </a:extLst>
+          </p:cNvPr>
+          <p:cNvPicPr>
+            <a:picLocks noChangeAspect="1" noChangeArrowheads="1"/>
+          </p:cNvPicPr>
+          <p:nvPr/>
+        </p:nvPicPr>
+        <p:blipFill>
+          <a:blip r:embed="rId5">
+            <a:extLst>
+              <a:ext uri="{28A0092B-C50C-407E-A947-70E740481C1C}">
+                <a14:useLocalDpi xmlns:a14="http://schemas.microsoft.com/office/drawing/2010/main" val="0"/>
+              </a:ext>
+            </a:extLst>
+          </a:blip>
+          <a:srcRect/>
+          <a:stretch>
+            <a:fillRect/>
+          </a:stretch>
+        </p:blipFill>
+        <p:spPr bwMode="auto">
+          <a:xfrm rot="1256118">
+            <a:off x="10383805" y="3708687"/>
+            <a:ext cx="780325" cy="850984"/>
+          </a:xfrm>
+          <a:prstGeom prst="rect">
+            <a:avLst/>
+          </a:prstGeom>
+          <a:noFill/>
+          <a:extLst>
+            <a:ext uri="{909E8E84-426E-40DD-AFC4-6F175D3DCCD1}">
+              <a14:hiddenFill xmlns:a14="http://schemas.microsoft.com/office/drawing/2010/main">
+                <a:solidFill>
+                  <a:srgbClr val="FFFFFF"/>
+                </a:solidFill>
+              </a14:hiddenFill>
+            </a:ext>
+          </a:extLst>
+        </p:spPr>
+      </p:pic>
     </p:spTree>
     <p:extLst>
       <p:ext uri="{BB962C8B-B14F-4D97-AF65-F5344CB8AC3E}">
@@ -4658,7 +5780,12 @@
             <p:ph idx="1"/>
           </p:nvPr>
         </p:nvSpPr>
-        <p:spPr/>
+        <p:spPr>
+          <a:xfrm>
+            <a:off x="838200" y="1825625"/>
+            <a:ext cx="5989320" cy="4351338"/>
+          </a:xfrm>
+        </p:spPr>
         <p:txBody>
           <a:bodyPr/>
           <a:lstStyle/>
@@ -4774,6 +5901,65 @@
           </a:p>
         </p:txBody>
       </p:sp>
+      <p:pic>
+        <p:nvPicPr>
+          <p:cNvPr id="2050" name="Picture 2" descr="SXSW festival in Austin is canceled due to coronavirus fears">
+            <a:extLst>
+              <a:ext uri="{FF2B5EF4-FFF2-40B4-BE49-F238E27FC236}">
+                <a16:creationId xmlns:a16="http://schemas.microsoft.com/office/drawing/2014/main" id="{F3461315-A3E6-4787-8DDD-A7017A77E870}"/>
+              </a:ext>
+            </a:extLst>
+          </p:cNvPr>
+          <p:cNvPicPr>
+            <a:picLocks noChangeAspect="1" noChangeArrowheads="1"/>
+          </p:cNvPicPr>
+          <p:nvPr/>
+        </p:nvPicPr>
+        <p:blipFill>
+          <a:blip r:embed="rId4">
+            <a:extLst>
+              <a:ext uri="{28A0092B-C50C-407E-A947-70E740481C1C}">
+                <a14:useLocalDpi xmlns:a14="http://schemas.microsoft.com/office/drawing/2010/main" val="0"/>
+              </a:ext>
+            </a:extLst>
+          </a:blip>
+          <a:srcRect/>
+          <a:stretch>
+            <a:fillRect/>
+          </a:stretch>
+        </p:blipFill>
+        <p:spPr bwMode="auto">
+          <a:xfrm>
+            <a:off x="7277100" y="1825625"/>
+            <a:ext cx="4465320" cy="4216400"/>
+          </a:xfrm>
+          <a:prstGeom prst="rect">
+            <a:avLst/>
+          </a:prstGeom>
+          <a:ln w="127000" cap="sq">
+            <a:solidFill>
+              <a:srgbClr val="000000"/>
+            </a:solidFill>
+            <a:miter lim="800000"/>
+          </a:ln>
+          <a:effectLst>
+            <a:outerShdw blurRad="57150" dist="50800" dir="2700000" algn="tl" rotWithShape="0">
+              <a:srgbClr val="000000">
+                <a:alpha val="40000"/>
+              </a:srgbClr>
+            </a:outerShdw>
+          </a:effectLst>
+          <a:extLst>
+            <a:ext uri="{909E8E84-426E-40DD-AFC4-6F175D3DCCD1}">
+              <a14:hiddenFill xmlns:a14="http://schemas.microsoft.com/office/drawing/2010/main">
+                <a:solidFill>
+                  <a:srgbClr val="FFFFFF"/>
+                </a:solidFill>
+              </a14:hiddenFill>
+            </a:ext>
+          </a:extLst>
+        </p:spPr>
+      </p:pic>
     </p:spTree>
     <p:extLst>
       <p:ext uri="{BB962C8B-B14F-4D97-AF65-F5344CB8AC3E}">
@@ -4880,7 +6066,7 @@
                   <a:schemeClr val="bg1"/>
                 </a:solidFill>
               </a:rPr>
-              <a:t>The Tools</a:t>
+              <a:t>The Dataset - Explored</a:t>
             </a:r>
           </a:p>
         </p:txBody>
@@ -4901,7 +6087,12 @@
             <p:ph idx="1"/>
           </p:nvPr>
         </p:nvSpPr>
-        <p:spPr/>
+        <p:spPr>
+          <a:xfrm>
+            <a:off x="838200" y="1825625"/>
+            <a:ext cx="5989320" cy="4351338"/>
+          </a:xfrm>
+        </p:spPr>
         <p:txBody>
           <a:bodyPr/>
           <a:lstStyle/>
@@ -4912,109 +6103,95 @@
                   <a:schemeClr val="bg1"/>
                 </a:solidFill>
               </a:rPr>
-              <a:t>Deep Learning with Natural Language Processing</a:t>
-            </a:r>
-          </a:p>
-          <a:p>
-            <a:pPr lvl="1"/>
-            <a:r>
-              <a:rPr lang="en-US" dirty="0">
-                <a:solidFill>
-                  <a:schemeClr val="bg1"/>
-                </a:solidFill>
-              </a:rPr>
-              <a:t>Model ‘learns’ from ‘reading’ inputs</a:t>
-            </a:r>
-          </a:p>
-          <a:p>
-            <a:pPr lvl="1"/>
-            <a:r>
-              <a:rPr lang="en-US" dirty="0">
-                <a:solidFill>
-                  <a:schemeClr val="bg1"/>
-                </a:solidFill>
-              </a:rPr>
-              <a:t>Make predictions</a:t>
-            </a:r>
-          </a:p>
-          <a:p>
-            <a:pPr lvl="1"/>
-            <a:endParaRPr lang="en-US" dirty="0">
-              <a:solidFill>
-                <a:schemeClr val="bg1"/>
-              </a:solidFill>
-            </a:endParaRPr>
-          </a:p>
-          <a:p>
-            <a:pPr lvl="1"/>
-            <a:endParaRPr lang="en-US" dirty="0">
-              <a:solidFill>
-                <a:schemeClr val="bg1"/>
-              </a:solidFill>
-            </a:endParaRPr>
-          </a:p>
-          <a:p>
-            <a:r>
-              <a:rPr lang="en-US" dirty="0" err="1">
-                <a:solidFill>
-                  <a:schemeClr val="bg1"/>
-                </a:solidFill>
-              </a:rPr>
-              <a:t>Keras</a:t>
-            </a:r>
-            <a:r>
-              <a:rPr lang="en-US" dirty="0">
-                <a:solidFill>
-                  <a:schemeClr val="bg1"/>
-                </a:solidFill>
-              </a:rPr>
-              <a:t>/</a:t>
-            </a:r>
-            <a:r>
-              <a:rPr lang="en-US" dirty="0" err="1">
-                <a:solidFill>
-                  <a:schemeClr val="bg1"/>
-                </a:solidFill>
-              </a:rPr>
-              <a:t>Tensorflow</a:t>
-            </a:r>
-            <a:r>
-              <a:rPr lang="en-US" dirty="0">
-                <a:solidFill>
-                  <a:schemeClr val="bg1"/>
-                </a:solidFill>
-              </a:rPr>
-              <a:t> from Google</a:t>
-            </a:r>
-          </a:p>
-          <a:p>
-            <a:pPr lvl="1"/>
-            <a:r>
-              <a:rPr lang="en-US" dirty="0">
-                <a:solidFill>
-                  <a:schemeClr val="bg1"/>
-                </a:solidFill>
-              </a:rPr>
-              <a:t>Cutting-edge modeling</a:t>
-            </a:r>
-          </a:p>
-          <a:p>
-            <a:pPr lvl="1"/>
-            <a:r>
-              <a:rPr lang="en-US" dirty="0">
-                <a:solidFill>
-                  <a:schemeClr val="bg1"/>
-                </a:solidFill>
-              </a:rPr>
-              <a:t>More common for these tasks</a:t>
-            </a:r>
-          </a:p>
-        </p:txBody>
-      </p:sp>
+              <a:t>Entire Dataset:</a:t>
+            </a:r>
+          </a:p>
+        </p:txBody>
+      </p:sp>
+      <p:pic>
+        <p:nvPicPr>
+          <p:cNvPr id="5122" name="Picture 2">
+            <a:extLst>
+              <a:ext uri="{FF2B5EF4-FFF2-40B4-BE49-F238E27FC236}">
+                <a16:creationId xmlns:a16="http://schemas.microsoft.com/office/drawing/2014/main" id="{B4A4844E-5857-402B-A11D-1B00D2CB0A9A}"/>
+              </a:ext>
+            </a:extLst>
+          </p:cNvPr>
+          <p:cNvPicPr>
+            <a:picLocks noChangeAspect="1" noChangeArrowheads="1"/>
+          </p:cNvPicPr>
+          <p:nvPr/>
+        </p:nvPicPr>
+        <p:blipFill>
+          <a:blip r:embed="rId4">
+            <a:extLst>
+              <a:ext uri="{28A0092B-C50C-407E-A947-70E740481C1C}">
+                <a14:useLocalDpi xmlns:a14="http://schemas.microsoft.com/office/drawing/2010/main" val="0"/>
+              </a:ext>
+            </a:extLst>
+          </a:blip>
+          <a:srcRect/>
+          <a:stretch>
+            <a:fillRect/>
+          </a:stretch>
+        </p:blipFill>
+        <p:spPr bwMode="auto">
+          <a:xfrm>
+            <a:off x="838199" y="2306923"/>
+            <a:ext cx="5018149" cy="4351338"/>
+          </a:xfrm>
+          <a:prstGeom prst="rect">
+            <a:avLst/>
+          </a:prstGeom>
+          <a:solidFill>
+            <a:schemeClr val="bg1"/>
+          </a:solidFill>
+        </p:spPr>
+      </p:pic>
+      <p:pic>
+        <p:nvPicPr>
+          <p:cNvPr id="5124" name="Picture 4">
+            <a:extLst>
+              <a:ext uri="{FF2B5EF4-FFF2-40B4-BE49-F238E27FC236}">
+                <a16:creationId xmlns:a16="http://schemas.microsoft.com/office/drawing/2014/main" id="{49CC4144-2A45-41DB-A026-FEF2EBE3AFF1}"/>
+              </a:ext>
+            </a:extLst>
+          </p:cNvPr>
+          <p:cNvPicPr>
+            <a:picLocks noChangeAspect="1" noChangeArrowheads="1"/>
+          </p:cNvPicPr>
+          <p:nvPr/>
+        </p:nvPicPr>
+        <p:blipFill>
+          <a:blip r:embed="rId5">
+            <a:extLst>
+              <a:ext uri="{28A0092B-C50C-407E-A947-70E740481C1C}">
+                <a14:useLocalDpi xmlns:a14="http://schemas.microsoft.com/office/drawing/2010/main" val="0"/>
+              </a:ext>
+            </a:extLst>
+          </a:blip>
+          <a:srcRect/>
+          <a:stretch>
+            <a:fillRect/>
+          </a:stretch>
+        </p:blipFill>
+        <p:spPr bwMode="auto">
+          <a:xfrm>
+            <a:off x="5990463" y="2306923"/>
+            <a:ext cx="5606452" cy="4351338"/>
+          </a:xfrm>
+          <a:prstGeom prst="rect">
+            <a:avLst/>
+          </a:prstGeom>
+          <a:solidFill>
+            <a:schemeClr val="bg1"/>
+          </a:solidFill>
+        </p:spPr>
+      </p:pic>
     </p:spTree>
     <p:extLst>
       <p:ext uri="{BB962C8B-B14F-4D97-AF65-F5344CB8AC3E}">
-        <p14:creationId xmlns:p14="http://schemas.microsoft.com/office/powerpoint/2010/main" val="994673678"/>
+        <p14:creationId xmlns:p14="http://schemas.microsoft.com/office/powerpoint/2010/main" val="2002849196"/>
       </p:ext>
     </p:extLst>
   </p:cSld>
@@ -5043,10 +6220,10 @@
       </p:grpSpPr>
       <p:pic>
         <p:nvPicPr>
-          <p:cNvPr id="5" name="Picture 4">
-            <a:extLst>
-              <a:ext uri="{FF2B5EF4-FFF2-40B4-BE49-F238E27FC236}">
-                <a16:creationId xmlns:a16="http://schemas.microsoft.com/office/drawing/2014/main" id="{FAC811E4-8214-4212-8DBA-931721CE61A5}"/>
+          <p:cNvPr id="4" name="Picture 3">
+            <a:extLst>
+              <a:ext uri="{FF2B5EF4-FFF2-40B4-BE49-F238E27FC236}">
+                <a16:creationId xmlns:a16="http://schemas.microsoft.com/office/drawing/2014/main" id="{B7CA53AD-D350-4223-AE6C-57E2FA19D0A6}"/>
               </a:ext>
             </a:extLst>
           </p:cNvPr>
@@ -5056,19 +6233,38 @@
           <p:nvPr/>
         </p:nvPicPr>
         <p:blipFill>
-          <a:blip r:embed="rId3"/>
+          <a:blip r:embed="rId2">
+            <a:alphaModFix/>
+            <a:extLst>
+              <a:ext uri="{BEBA8EAE-BF5A-486C-A8C5-ECC9F3942E4B}">
+                <a14:imgProps xmlns:a14="http://schemas.microsoft.com/office/drawing/2010/main">
+                  <a14:imgLayer r:embed="rId3">
+                    <a14:imgEffect>
+                      <a14:artisticPaintStrokes/>
+                    </a14:imgEffect>
+                  </a14:imgLayer>
+                </a14:imgProps>
+              </a:ext>
+            </a:extLst>
+          </a:blip>
           <a:stretch>
             <a:fillRect/>
           </a:stretch>
         </p:blipFill>
         <p:spPr>
           <a:xfrm>
-            <a:off x="-80478" y="-1"/>
-            <a:ext cx="12337626" cy="6938273"/>
+            <a:off x="0" y="-1"/>
+            <a:ext cx="12192001" cy="6858001"/>
           </a:xfrm>
           <a:prstGeom prst="rect">
             <a:avLst/>
           </a:prstGeom>
+          <a:effectLst>
+            <a:outerShdw blurRad="50800" dist="50800" dir="5400000" algn="ctr" rotWithShape="0">
+              <a:srgbClr val="000000"/>
+            </a:outerShdw>
+            <a:softEdge rad="0"/>
+          </a:effectLst>
         </p:spPr>
       </p:pic>
       <p:sp>
@@ -5098,7 +6294,7 @@
                   <a:schemeClr val="bg1"/>
                 </a:solidFill>
               </a:rPr>
-              <a:t>Results pt. 1</a:t>
+              <a:t>The Dataset - Explored</a:t>
             </a:r>
           </a:p>
         </p:txBody>
@@ -5119,7 +6315,12 @@
             <p:ph idx="1"/>
           </p:nvPr>
         </p:nvSpPr>
-        <p:spPr/>
+        <p:spPr>
+          <a:xfrm>
+            <a:off x="838200" y="1825625"/>
+            <a:ext cx="5989320" cy="4351338"/>
+          </a:xfrm>
+        </p:spPr>
         <p:txBody>
           <a:bodyPr/>
           <a:lstStyle/>
@@ -5130,111 +6331,55 @@
                   <a:schemeClr val="bg1"/>
                 </a:solidFill>
               </a:rPr>
-              <a:t>Final model achieved 65% overall accuracy</a:t>
-            </a:r>
-          </a:p>
-          <a:p>
-            <a:pPr lvl="1"/>
-            <a:r>
-              <a:rPr lang="en-US" dirty="0">
-                <a:solidFill>
-                  <a:schemeClr val="bg1"/>
-                </a:solidFill>
-              </a:rPr>
-              <a:t>Any predictions likelihood of being correct</a:t>
-            </a:r>
-          </a:p>
-          <a:p>
-            <a:pPr lvl="1"/>
-            <a:r>
-              <a:rPr lang="en-US" dirty="0">
-                <a:solidFill>
-                  <a:schemeClr val="bg1"/>
-                </a:solidFill>
-              </a:rPr>
-              <a:t>Considerably better than random chance (33%)</a:t>
-            </a:r>
-          </a:p>
-          <a:p>
-            <a:pPr lvl="1"/>
-            <a:endParaRPr lang="en-US" dirty="0">
-              <a:solidFill>
-                <a:schemeClr val="bg1"/>
-              </a:solidFill>
-            </a:endParaRPr>
-          </a:p>
-          <a:p>
-            <a:r>
-              <a:rPr lang="en-US" dirty="0">
-                <a:solidFill>
-                  <a:schemeClr val="bg1"/>
-                </a:solidFill>
-              </a:rPr>
-              <a:t>Inter-class accuracy (recall):</a:t>
-            </a:r>
-          </a:p>
-          <a:p>
-            <a:pPr lvl="1"/>
-            <a:r>
-              <a:rPr lang="en-US" dirty="0">
-                <a:solidFill>
-                  <a:schemeClr val="bg1"/>
-                </a:solidFill>
-              </a:rPr>
-              <a:t>Negative </a:t>
-            </a:r>
-            <a:r>
-              <a:rPr lang="en-US" dirty="0">
-                <a:solidFill>
-                  <a:schemeClr val="bg1"/>
-                </a:solidFill>
-                <a:sym typeface="Wingdings" panose="05000000000000000000" pitchFamily="2" charset="2"/>
-              </a:rPr>
-              <a:t>= 37%</a:t>
-            </a:r>
-          </a:p>
-          <a:p>
-            <a:pPr lvl="1"/>
-            <a:r>
-              <a:rPr lang="en-US" dirty="0">
-                <a:solidFill>
-                  <a:schemeClr val="bg1"/>
-                </a:solidFill>
-                <a:sym typeface="Wingdings" panose="05000000000000000000" pitchFamily="2" charset="2"/>
-              </a:rPr>
-              <a:t>Neutral = 75%</a:t>
-            </a:r>
-          </a:p>
-          <a:p>
-            <a:pPr lvl="1"/>
-            <a:r>
-              <a:rPr lang="en-US" dirty="0">
-                <a:solidFill>
-                  <a:schemeClr val="bg1"/>
-                </a:solidFill>
-                <a:sym typeface="Wingdings" panose="05000000000000000000" pitchFamily="2" charset="2"/>
-              </a:rPr>
-              <a:t>Positive = 50%</a:t>
-            </a:r>
-            <a:endParaRPr lang="en-US" dirty="0">
-              <a:solidFill>
-                <a:schemeClr val="bg1"/>
-              </a:solidFill>
-            </a:endParaRPr>
-          </a:p>
-          <a:p>
-            <a:endParaRPr lang="en-US" dirty="0">
-              <a:solidFill>
-                <a:schemeClr val="bg1"/>
-              </a:solidFill>
-            </a:endParaRPr>
-          </a:p>
-        </p:txBody>
-      </p:sp>
+              <a:t>Negative Tweets:</a:t>
+            </a:r>
+          </a:p>
+        </p:txBody>
+      </p:sp>
+      <p:pic>
+        <p:nvPicPr>
+          <p:cNvPr id="6146" name="Picture 2">
+            <a:extLst>
+              <a:ext uri="{FF2B5EF4-FFF2-40B4-BE49-F238E27FC236}">
+                <a16:creationId xmlns:a16="http://schemas.microsoft.com/office/drawing/2014/main" id="{FEA35FAF-0320-45F1-8B7F-842942A624BF}"/>
+              </a:ext>
+            </a:extLst>
+          </p:cNvPr>
+          <p:cNvPicPr>
+            <a:picLocks noChangeAspect="1" noChangeArrowheads="1"/>
+          </p:cNvPicPr>
+          <p:nvPr/>
+        </p:nvPicPr>
+        <p:blipFill>
+          <a:blip r:embed="rId4">
+            <a:extLst>
+              <a:ext uri="{28A0092B-C50C-407E-A947-70E740481C1C}">
+                <a14:useLocalDpi xmlns:a14="http://schemas.microsoft.com/office/drawing/2010/main" val="0"/>
+              </a:ext>
+            </a:extLst>
+          </a:blip>
+          <a:srcRect/>
+          <a:stretch>
+            <a:fillRect/>
+          </a:stretch>
+        </p:blipFill>
+        <p:spPr bwMode="auto">
+          <a:xfrm>
+            <a:off x="3832860" y="1825625"/>
+            <a:ext cx="7391226" cy="4351338"/>
+          </a:xfrm>
+          <a:prstGeom prst="rect">
+            <a:avLst/>
+          </a:prstGeom>
+          <a:solidFill>
+            <a:schemeClr val="bg1"/>
+          </a:solidFill>
+        </p:spPr>
+      </p:pic>
     </p:spTree>
     <p:extLst>
       <p:ext uri="{BB962C8B-B14F-4D97-AF65-F5344CB8AC3E}">
-        <p14:creationId xmlns:p14="http://schemas.microsoft.com/office/powerpoint/2010/main" val="1009528791"/>
+        <p14:creationId xmlns:p14="http://schemas.microsoft.com/office/powerpoint/2010/main" val="2017527848"/>
       </p:ext>
     </p:extLst>
   </p:cSld>
@@ -5302,9 +6447,6 @@
           <a:prstGeom prst="rect">
             <a:avLst/>
           </a:prstGeom>
-          <a:solidFill>
-            <a:schemeClr val="bg1"/>
-          </a:solidFill>
           <a:effectLst>
             <a:outerShdw blurRad="50800" dist="50800" dir="5400000" algn="ctr" rotWithShape="0">
               <a:srgbClr val="000000"/>
@@ -5340,7 +6482,7 @@
                   <a:schemeClr val="bg1"/>
                 </a:solidFill>
               </a:rPr>
-              <a:t>Results pt. 2</a:t>
+              <a:t>The Dataset - Explored</a:t>
             </a:r>
           </a:p>
         </p:txBody>
@@ -5364,7 +6506,7 @@
         <p:spPr>
           <a:xfrm>
             <a:off x="838200" y="1825625"/>
-            <a:ext cx="4959183" cy="4351338"/>
+            <a:ext cx="5989320" cy="4351338"/>
           </a:xfrm>
         </p:spPr>
         <p:txBody>
@@ -5377,67 +6519,17 @@
                   <a:schemeClr val="bg1"/>
                 </a:solidFill>
               </a:rPr>
-              <a:t>Each cell:</a:t>
-            </a:r>
-          </a:p>
-          <a:p>
-            <a:pPr lvl="1"/>
-            <a:r>
-              <a:rPr lang="en-US" dirty="0">
-                <a:solidFill>
-                  <a:schemeClr val="bg1"/>
-                </a:solidFill>
-              </a:rPr>
-              <a:t>The corresponding % of possible predictions made for this label</a:t>
-            </a:r>
-          </a:p>
-          <a:p>
-            <a:pPr lvl="2"/>
-            <a:r>
-              <a:rPr lang="en-US" dirty="0">
-                <a:solidFill>
-                  <a:schemeClr val="bg1"/>
-                </a:solidFill>
-              </a:rPr>
-              <a:t>Each row totals to 100%</a:t>
-            </a:r>
-          </a:p>
-          <a:p>
-            <a:endParaRPr lang="en-US" dirty="0">
-              <a:solidFill>
-                <a:schemeClr val="bg1"/>
-              </a:solidFill>
-            </a:endParaRPr>
-          </a:p>
-          <a:p>
-            <a:r>
-              <a:rPr lang="en-US" dirty="0">
-                <a:solidFill>
-                  <a:schemeClr val="bg1"/>
-                </a:solidFill>
-              </a:rPr>
-              <a:t>Ex:</a:t>
-            </a:r>
-          </a:p>
-          <a:p>
-            <a:pPr lvl="1"/>
-            <a:r>
-              <a:rPr lang="en-US" dirty="0">
-                <a:solidFill>
-                  <a:schemeClr val="bg1"/>
-                </a:solidFill>
-              </a:rPr>
-              <a:t>75% of the available ‘Neutral’ tweets were correctly predicted to be so</a:t>
+              <a:t>Positive Tweets:</a:t>
             </a:r>
           </a:p>
         </p:txBody>
       </p:sp>
       <p:pic>
         <p:nvPicPr>
-          <p:cNvPr id="1026" name="Picture 2">
-            <a:extLst>
-              <a:ext uri="{FF2B5EF4-FFF2-40B4-BE49-F238E27FC236}">
-                <a16:creationId xmlns:a16="http://schemas.microsoft.com/office/drawing/2014/main" id="{0F3C3B6C-7B5E-4CFE-B5D6-BEF3AC9B0F3E}"/>
+          <p:cNvPr id="7170" name="Picture 2">
+            <a:extLst>
+              <a:ext uri="{FF2B5EF4-FFF2-40B4-BE49-F238E27FC236}">
+                <a16:creationId xmlns:a16="http://schemas.microsoft.com/office/drawing/2014/main" id="{D7FC529B-7CCA-497B-BEF5-714772ED5625}"/>
               </a:ext>
             </a:extLst>
           </p:cNvPr>
@@ -5461,7 +6553,569 @@
         </p:blipFill>
         <p:spPr bwMode="auto">
           <a:xfrm>
-            <a:off x="5797383" y="1825625"/>
+            <a:off x="3832860" y="1825625"/>
+            <a:ext cx="7422739" cy="4554235"/>
+          </a:xfrm>
+          <a:prstGeom prst="rect">
+            <a:avLst/>
+          </a:prstGeom>
+          <a:solidFill>
+            <a:schemeClr val="bg1"/>
+          </a:solidFill>
+        </p:spPr>
+      </p:pic>
+    </p:spTree>
+    <p:extLst>
+      <p:ext uri="{BB962C8B-B14F-4D97-AF65-F5344CB8AC3E}">
+        <p14:creationId xmlns:p14="http://schemas.microsoft.com/office/powerpoint/2010/main" val="30002163"/>
+      </p:ext>
+    </p:extLst>
+  </p:cSld>
+  <p:clrMapOvr>
+    <a:masterClrMapping/>
+  </p:clrMapOvr>
+</p:sld>
+</file>
+
+<file path=ppt/slides/slide7.xml><?xml version="1.0" encoding="utf-8"?>
+<p:sld xmlns:a="http://schemas.openxmlformats.org/drawingml/2006/main" xmlns:r="http://schemas.openxmlformats.org/officeDocument/2006/relationships" xmlns:p="http://schemas.openxmlformats.org/presentationml/2006/main">
+  <p:cSld>
+    <p:spTree>
+      <p:nvGrpSpPr>
+        <p:cNvPr id="1" name=""/>
+        <p:cNvGrpSpPr/>
+        <p:nvPr/>
+      </p:nvGrpSpPr>
+      <p:grpSpPr>
+        <a:xfrm>
+          <a:off x="0" y="0"/>
+          <a:ext cx="0" cy="0"/>
+          <a:chOff x="0" y="0"/>
+          <a:chExt cx="0" cy="0"/>
+        </a:xfrm>
+      </p:grpSpPr>
+      <p:pic>
+        <p:nvPicPr>
+          <p:cNvPr id="4" name="Picture 3">
+            <a:extLst>
+              <a:ext uri="{FF2B5EF4-FFF2-40B4-BE49-F238E27FC236}">
+                <a16:creationId xmlns:a16="http://schemas.microsoft.com/office/drawing/2014/main" id="{B7CA53AD-D350-4223-AE6C-57E2FA19D0A6}"/>
+              </a:ext>
+            </a:extLst>
+          </p:cNvPr>
+          <p:cNvPicPr>
+            <a:picLocks noChangeAspect="1"/>
+          </p:cNvPicPr>
+          <p:nvPr/>
+        </p:nvPicPr>
+        <p:blipFill>
+          <a:blip r:embed="rId3">
+            <a:alphaModFix/>
+            <a:extLst>
+              <a:ext uri="{BEBA8EAE-BF5A-486C-A8C5-ECC9F3942E4B}">
+                <a14:imgProps xmlns:a14="http://schemas.microsoft.com/office/drawing/2010/main">
+                  <a14:imgLayer r:embed="rId4">
+                    <a14:imgEffect>
+                      <a14:artisticPaintStrokes/>
+                    </a14:imgEffect>
+                  </a14:imgLayer>
+                </a14:imgProps>
+              </a:ext>
+            </a:extLst>
+          </a:blip>
+          <a:stretch>
+            <a:fillRect/>
+          </a:stretch>
+        </p:blipFill>
+        <p:spPr>
+          <a:xfrm>
+            <a:off x="0" y="-1"/>
+            <a:ext cx="12192001" cy="6858001"/>
+          </a:xfrm>
+          <a:prstGeom prst="rect">
+            <a:avLst/>
+          </a:prstGeom>
+          <a:effectLst>
+            <a:outerShdw blurRad="50800" dist="50800" dir="5400000" algn="ctr" rotWithShape="0">
+              <a:srgbClr val="000000"/>
+            </a:outerShdw>
+            <a:softEdge rad="0"/>
+          </a:effectLst>
+        </p:spPr>
+      </p:pic>
+      <p:sp>
+        <p:nvSpPr>
+          <p:cNvPr id="2" name="Title 1">
+            <a:extLst>
+              <a:ext uri="{FF2B5EF4-FFF2-40B4-BE49-F238E27FC236}">
+                <a16:creationId xmlns:a16="http://schemas.microsoft.com/office/drawing/2014/main" id="{67A943BD-3F60-4062-B9F7-2D7A76B6F939}"/>
+              </a:ext>
+            </a:extLst>
+          </p:cNvPr>
+          <p:cNvSpPr>
+            <a:spLocks noGrp="1"/>
+          </p:cNvSpPr>
+          <p:nvPr>
+            <p:ph type="title"/>
+          </p:nvPr>
+        </p:nvSpPr>
+        <p:spPr/>
+        <p:txBody>
+          <a:bodyPr/>
+          <a:lstStyle/>
+          <a:p>
+            <a:r>
+              <a:rPr lang="en-US" b="1" dirty="0">
+                <a:solidFill>
+                  <a:schemeClr val="bg1"/>
+                </a:solidFill>
+              </a:rPr>
+              <a:t>The Tools</a:t>
+            </a:r>
+          </a:p>
+        </p:txBody>
+      </p:sp>
+      <p:sp>
+        <p:nvSpPr>
+          <p:cNvPr id="3" name="Content Placeholder 2">
+            <a:extLst>
+              <a:ext uri="{FF2B5EF4-FFF2-40B4-BE49-F238E27FC236}">
+                <a16:creationId xmlns:a16="http://schemas.microsoft.com/office/drawing/2014/main" id="{6A7BFCF5-9A15-4AAE-B2E3-E63AA33FEC83}"/>
+              </a:ext>
+            </a:extLst>
+          </p:cNvPr>
+          <p:cNvSpPr>
+            <a:spLocks noGrp="1"/>
+          </p:cNvSpPr>
+          <p:nvPr>
+            <p:ph idx="1"/>
+          </p:nvPr>
+        </p:nvSpPr>
+        <p:spPr>
+          <a:xfrm>
+            <a:off x="838200" y="1825625"/>
+            <a:ext cx="6093823" cy="4351338"/>
+          </a:xfrm>
+        </p:spPr>
+        <p:txBody>
+          <a:bodyPr/>
+          <a:lstStyle/>
+          <a:p>
+            <a:r>
+              <a:rPr lang="en-US" dirty="0">
+                <a:solidFill>
+                  <a:schemeClr val="bg1"/>
+                </a:solidFill>
+              </a:rPr>
+              <a:t>Deep Learning with Natural Language Processing</a:t>
+            </a:r>
+          </a:p>
+          <a:p>
+            <a:pPr lvl="1"/>
+            <a:r>
+              <a:rPr lang="en-US" dirty="0">
+                <a:solidFill>
+                  <a:schemeClr val="bg1"/>
+                </a:solidFill>
+              </a:rPr>
+              <a:t>Model ‘learns’ from ‘reading’ inputs</a:t>
+            </a:r>
+          </a:p>
+          <a:p>
+            <a:pPr lvl="1"/>
+            <a:r>
+              <a:rPr lang="en-US" dirty="0">
+                <a:solidFill>
+                  <a:schemeClr val="bg1"/>
+                </a:solidFill>
+              </a:rPr>
+              <a:t>Make predictions</a:t>
+            </a:r>
+          </a:p>
+          <a:p>
+            <a:pPr lvl="1"/>
+            <a:endParaRPr lang="en-US" dirty="0">
+              <a:solidFill>
+                <a:schemeClr val="bg1"/>
+              </a:solidFill>
+            </a:endParaRPr>
+          </a:p>
+          <a:p>
+            <a:pPr lvl="1"/>
+            <a:endParaRPr lang="en-US" dirty="0">
+              <a:solidFill>
+                <a:schemeClr val="bg1"/>
+              </a:solidFill>
+            </a:endParaRPr>
+          </a:p>
+          <a:p>
+            <a:r>
+              <a:rPr lang="en-US" dirty="0" err="1">
+                <a:solidFill>
+                  <a:schemeClr val="bg1"/>
+                </a:solidFill>
+              </a:rPr>
+              <a:t>Keras</a:t>
+            </a:r>
+            <a:r>
+              <a:rPr lang="en-US" dirty="0">
+                <a:solidFill>
+                  <a:schemeClr val="bg1"/>
+                </a:solidFill>
+              </a:rPr>
+              <a:t>/</a:t>
+            </a:r>
+            <a:r>
+              <a:rPr lang="en-US" dirty="0" err="1">
+                <a:solidFill>
+                  <a:schemeClr val="bg1"/>
+                </a:solidFill>
+              </a:rPr>
+              <a:t>Tensorflow</a:t>
+            </a:r>
+            <a:r>
+              <a:rPr lang="en-US" dirty="0">
+                <a:solidFill>
+                  <a:schemeClr val="bg1"/>
+                </a:solidFill>
+              </a:rPr>
+              <a:t> from Google</a:t>
+            </a:r>
+          </a:p>
+          <a:p>
+            <a:pPr lvl="1"/>
+            <a:r>
+              <a:rPr lang="en-US" dirty="0">
+                <a:solidFill>
+                  <a:schemeClr val="bg1"/>
+                </a:solidFill>
+              </a:rPr>
+              <a:t>Cutting-edge modeling</a:t>
+            </a:r>
+          </a:p>
+          <a:p>
+            <a:pPr lvl="1"/>
+            <a:r>
+              <a:rPr lang="en-US" dirty="0">
+                <a:solidFill>
+                  <a:schemeClr val="bg1"/>
+                </a:solidFill>
+              </a:rPr>
+              <a:t>More common for these tasks</a:t>
+            </a:r>
+          </a:p>
+        </p:txBody>
+      </p:sp>
+      <p:pic>
+        <p:nvPicPr>
+          <p:cNvPr id="3076" name="Picture 4" descr="Neural network - Wikipedia">
+            <a:extLst>
+              <a:ext uri="{FF2B5EF4-FFF2-40B4-BE49-F238E27FC236}">
+                <a16:creationId xmlns:a16="http://schemas.microsoft.com/office/drawing/2014/main" id="{956DEB67-9741-410D-A1C4-24C668BFB4EE}"/>
+              </a:ext>
+            </a:extLst>
+          </p:cNvPr>
+          <p:cNvPicPr>
+            <a:picLocks noChangeAspect="1" noChangeArrowheads="1"/>
+          </p:cNvPicPr>
+          <p:nvPr/>
+        </p:nvPicPr>
+        <p:blipFill rotWithShape="1">
+          <a:blip r:embed="rId5">
+            <a:extLst>
+              <a:ext uri="{28A0092B-C50C-407E-A947-70E740481C1C}">
+                <a14:useLocalDpi xmlns:a14="http://schemas.microsoft.com/office/drawing/2010/main" val="0"/>
+              </a:ext>
+            </a:extLst>
+          </a:blip>
+          <a:srcRect t="9780" b="1084"/>
+          <a:stretch/>
+        </p:blipFill>
+        <p:spPr bwMode="auto">
+          <a:xfrm>
+            <a:off x="7770223" y="1825625"/>
+            <a:ext cx="3557995" cy="3749040"/>
+          </a:xfrm>
+          <a:prstGeom prst="rect">
+            <a:avLst/>
+          </a:prstGeom>
+          <a:solidFill>
+            <a:schemeClr val="bg2">
+              <a:alpha val="66000"/>
+            </a:schemeClr>
+          </a:solidFill>
+          <a:ln w="127000" cap="sq">
+            <a:solidFill>
+              <a:srgbClr val="000000"/>
+            </a:solidFill>
+            <a:miter lim="800000"/>
+          </a:ln>
+          <a:effectLst>
+            <a:outerShdw blurRad="57150" dist="50800" dir="2700000" algn="tl" rotWithShape="0">
+              <a:srgbClr val="000000">
+                <a:alpha val="40000"/>
+              </a:srgbClr>
+            </a:outerShdw>
+          </a:effectLst>
+        </p:spPr>
+      </p:pic>
+    </p:spTree>
+    <p:extLst>
+      <p:ext uri="{BB962C8B-B14F-4D97-AF65-F5344CB8AC3E}">
+        <p14:creationId xmlns:p14="http://schemas.microsoft.com/office/powerpoint/2010/main" val="994673678"/>
+      </p:ext>
+    </p:extLst>
+  </p:cSld>
+  <p:clrMapOvr>
+    <a:masterClrMapping/>
+  </p:clrMapOvr>
+</p:sld>
+</file>
+
+<file path=ppt/slides/slide8.xml><?xml version="1.0" encoding="utf-8"?>
+<p:sld xmlns:a="http://schemas.openxmlformats.org/drawingml/2006/main" xmlns:r="http://schemas.openxmlformats.org/officeDocument/2006/relationships" xmlns:p="http://schemas.openxmlformats.org/presentationml/2006/main">
+  <p:cSld>
+    <p:spTree>
+      <p:nvGrpSpPr>
+        <p:cNvPr id="1" name=""/>
+        <p:cNvGrpSpPr/>
+        <p:nvPr/>
+      </p:nvGrpSpPr>
+      <p:grpSpPr>
+        <a:xfrm>
+          <a:off x="0" y="0"/>
+          <a:ext cx="0" cy="0"/>
+          <a:chOff x="0" y="0"/>
+          <a:chExt cx="0" cy="0"/>
+        </a:xfrm>
+      </p:grpSpPr>
+      <p:pic>
+        <p:nvPicPr>
+          <p:cNvPr id="5" name="Picture 4">
+            <a:extLst>
+              <a:ext uri="{FF2B5EF4-FFF2-40B4-BE49-F238E27FC236}">
+                <a16:creationId xmlns:a16="http://schemas.microsoft.com/office/drawing/2014/main" id="{FAC811E4-8214-4212-8DBA-931721CE61A5}"/>
+              </a:ext>
+            </a:extLst>
+          </p:cNvPr>
+          <p:cNvPicPr>
+            <a:picLocks noChangeAspect="1"/>
+          </p:cNvPicPr>
+          <p:nvPr/>
+        </p:nvPicPr>
+        <p:blipFill>
+          <a:blip r:embed="rId3"/>
+          <a:stretch>
+            <a:fillRect/>
+          </a:stretch>
+        </p:blipFill>
+        <p:spPr>
+          <a:xfrm>
+            <a:off x="-80478" y="-1"/>
+            <a:ext cx="12337626" cy="6938273"/>
+          </a:xfrm>
+          <a:prstGeom prst="rect">
+            <a:avLst/>
+          </a:prstGeom>
+        </p:spPr>
+      </p:pic>
+      <p:sp>
+        <p:nvSpPr>
+          <p:cNvPr id="2" name="Title 1">
+            <a:extLst>
+              <a:ext uri="{FF2B5EF4-FFF2-40B4-BE49-F238E27FC236}">
+                <a16:creationId xmlns:a16="http://schemas.microsoft.com/office/drawing/2014/main" id="{67A943BD-3F60-4062-B9F7-2D7A76B6F939}"/>
+              </a:ext>
+            </a:extLst>
+          </p:cNvPr>
+          <p:cNvSpPr>
+            <a:spLocks noGrp="1"/>
+          </p:cNvSpPr>
+          <p:nvPr>
+            <p:ph type="title"/>
+          </p:nvPr>
+        </p:nvSpPr>
+        <p:spPr/>
+        <p:txBody>
+          <a:bodyPr/>
+          <a:lstStyle/>
+          <a:p>
+            <a:r>
+              <a:rPr lang="en-US" b="1" dirty="0">
+                <a:solidFill>
+                  <a:schemeClr val="bg1"/>
+                </a:solidFill>
+              </a:rPr>
+              <a:t>Results pt. 1</a:t>
+            </a:r>
+          </a:p>
+        </p:txBody>
+      </p:sp>
+      <p:sp>
+        <p:nvSpPr>
+          <p:cNvPr id="3" name="Content Placeholder 2">
+            <a:extLst>
+              <a:ext uri="{FF2B5EF4-FFF2-40B4-BE49-F238E27FC236}">
+                <a16:creationId xmlns:a16="http://schemas.microsoft.com/office/drawing/2014/main" id="{6A7BFCF5-9A15-4AAE-B2E3-E63AA33FEC83}"/>
+              </a:ext>
+            </a:extLst>
+          </p:cNvPr>
+          <p:cNvSpPr>
+            <a:spLocks noGrp="1"/>
+          </p:cNvSpPr>
+          <p:nvPr>
+            <p:ph idx="1"/>
+          </p:nvPr>
+        </p:nvSpPr>
+        <p:spPr>
+          <a:xfrm>
+            <a:off x="838201" y="1825625"/>
+            <a:ext cx="5765024" cy="4351338"/>
+          </a:xfrm>
+        </p:spPr>
+        <p:txBody>
+          <a:bodyPr>
+            <a:normAutofit lnSpcReduction="10000"/>
+          </a:bodyPr>
+          <a:lstStyle/>
+          <a:p>
+            <a:r>
+              <a:rPr lang="en-US" dirty="0">
+                <a:solidFill>
+                  <a:schemeClr val="bg1"/>
+                </a:solidFill>
+              </a:rPr>
+              <a:t>Final model achieved 65% overall accuracy</a:t>
+            </a:r>
+          </a:p>
+          <a:p>
+            <a:pPr lvl="1"/>
+            <a:r>
+              <a:rPr lang="en-US" dirty="0">
+                <a:solidFill>
+                  <a:schemeClr val="bg1"/>
+                </a:solidFill>
+              </a:rPr>
+              <a:t>Any predictions likelihood of being correct</a:t>
+            </a:r>
+          </a:p>
+          <a:p>
+            <a:pPr lvl="1"/>
+            <a:r>
+              <a:rPr lang="en-US" dirty="0">
+                <a:solidFill>
+                  <a:schemeClr val="bg1"/>
+                </a:solidFill>
+              </a:rPr>
+              <a:t>Considerably better than random chance (33%)</a:t>
+            </a:r>
+          </a:p>
+          <a:p>
+            <a:pPr lvl="1"/>
+            <a:endParaRPr lang="en-US" dirty="0">
+              <a:solidFill>
+                <a:schemeClr val="bg1"/>
+              </a:solidFill>
+            </a:endParaRPr>
+          </a:p>
+          <a:p>
+            <a:r>
+              <a:rPr lang="en-US" dirty="0">
+                <a:solidFill>
+                  <a:schemeClr val="bg1"/>
+                </a:solidFill>
+              </a:rPr>
+              <a:t>Intra-class accuracy (recall):</a:t>
+            </a:r>
+          </a:p>
+          <a:p>
+            <a:pPr lvl="1"/>
+            <a:r>
+              <a:rPr lang="en-US" dirty="0">
+                <a:solidFill>
+                  <a:schemeClr val="bg1"/>
+                </a:solidFill>
+              </a:rPr>
+              <a:t>Negative </a:t>
+            </a:r>
+            <a:r>
+              <a:rPr lang="en-US" dirty="0">
+                <a:solidFill>
+                  <a:schemeClr val="bg1"/>
+                </a:solidFill>
+                <a:sym typeface="Wingdings" panose="05000000000000000000" pitchFamily="2" charset="2"/>
+              </a:rPr>
+              <a:t>= 37%</a:t>
+            </a:r>
+          </a:p>
+          <a:p>
+            <a:pPr lvl="1"/>
+            <a:r>
+              <a:rPr lang="en-US" dirty="0">
+                <a:solidFill>
+                  <a:schemeClr val="bg1"/>
+                </a:solidFill>
+                <a:sym typeface="Wingdings" panose="05000000000000000000" pitchFamily="2" charset="2"/>
+              </a:rPr>
+              <a:t>Neutral = 75%</a:t>
+            </a:r>
+          </a:p>
+          <a:p>
+            <a:pPr lvl="1"/>
+            <a:r>
+              <a:rPr lang="en-US" dirty="0">
+                <a:solidFill>
+                  <a:schemeClr val="bg1"/>
+                </a:solidFill>
+                <a:sym typeface="Wingdings" panose="05000000000000000000" pitchFamily="2" charset="2"/>
+              </a:rPr>
+              <a:t>Positive = 50%</a:t>
+            </a:r>
+            <a:endParaRPr lang="en-US" dirty="0">
+              <a:solidFill>
+                <a:schemeClr val="bg1"/>
+              </a:solidFill>
+            </a:endParaRPr>
+          </a:p>
+          <a:p>
+            <a:endParaRPr lang="en-US" dirty="0">
+              <a:solidFill>
+                <a:schemeClr val="bg1"/>
+              </a:solidFill>
+            </a:endParaRPr>
+          </a:p>
+        </p:txBody>
+      </p:sp>
+      <p:pic>
+        <p:nvPicPr>
+          <p:cNvPr id="6" name="Picture 2">
+            <a:extLst>
+              <a:ext uri="{FF2B5EF4-FFF2-40B4-BE49-F238E27FC236}">
+                <a16:creationId xmlns:a16="http://schemas.microsoft.com/office/drawing/2014/main" id="{4C336E6B-4FD3-448A-9B4B-76EEAEE011C0}"/>
+              </a:ext>
+            </a:extLst>
+          </p:cNvPr>
+          <p:cNvPicPr>
+            <a:picLocks noChangeAspect="1" noChangeArrowheads="1"/>
+          </p:cNvPicPr>
+          <p:nvPr/>
+        </p:nvPicPr>
+        <p:blipFill>
+          <a:blip r:embed="rId4">
+            <a:extLst>
+              <a:ext uri="{28A0092B-C50C-407E-A947-70E740481C1C}">
+                <a14:useLocalDpi xmlns:a14="http://schemas.microsoft.com/office/drawing/2010/main" val="0"/>
+              </a:ext>
+            </a:extLst>
+          </a:blip>
+          <a:srcRect/>
+          <a:stretch>
+            <a:fillRect/>
+          </a:stretch>
+        </p:blipFill>
+        <p:spPr bwMode="auto">
+          <a:xfrm>
+            <a:off x="6446538" y="1825625"/>
             <a:ext cx="5126556" cy="4470473"/>
           </a:xfrm>
           <a:prstGeom prst="rect">
@@ -5477,6 +7131,252 @@
           </a:effectLst>
         </p:spPr>
       </p:pic>
+    </p:spTree>
+    <p:extLst>
+      <p:ext uri="{BB962C8B-B14F-4D97-AF65-F5344CB8AC3E}">
+        <p14:creationId xmlns:p14="http://schemas.microsoft.com/office/powerpoint/2010/main" val="1009528791"/>
+      </p:ext>
+    </p:extLst>
+  </p:cSld>
+  <p:clrMapOvr>
+    <a:masterClrMapping/>
+  </p:clrMapOvr>
+</p:sld>
+</file>
+
+<file path=ppt/slides/slide9.xml><?xml version="1.0" encoding="utf-8"?>
+<p:sld xmlns:a="http://schemas.openxmlformats.org/drawingml/2006/main" xmlns:r="http://schemas.openxmlformats.org/officeDocument/2006/relationships" xmlns:p="http://schemas.openxmlformats.org/presentationml/2006/main">
+  <p:cSld>
+    <p:spTree>
+      <p:nvGrpSpPr>
+        <p:cNvPr id="1" name=""/>
+        <p:cNvGrpSpPr/>
+        <p:nvPr/>
+      </p:nvGrpSpPr>
+      <p:grpSpPr>
+        <a:xfrm>
+          <a:off x="0" y="0"/>
+          <a:ext cx="0" cy="0"/>
+          <a:chOff x="0" y="0"/>
+          <a:chExt cx="0" cy="0"/>
+        </a:xfrm>
+      </p:grpSpPr>
+      <p:pic>
+        <p:nvPicPr>
+          <p:cNvPr id="4" name="Picture 3">
+            <a:extLst>
+              <a:ext uri="{FF2B5EF4-FFF2-40B4-BE49-F238E27FC236}">
+                <a16:creationId xmlns:a16="http://schemas.microsoft.com/office/drawing/2014/main" id="{B7CA53AD-D350-4223-AE6C-57E2FA19D0A6}"/>
+              </a:ext>
+            </a:extLst>
+          </p:cNvPr>
+          <p:cNvPicPr>
+            <a:picLocks noChangeAspect="1"/>
+          </p:cNvPicPr>
+          <p:nvPr/>
+        </p:nvPicPr>
+        <p:blipFill>
+          <a:blip r:embed="rId2">
+            <a:alphaModFix/>
+            <a:extLst>
+              <a:ext uri="{BEBA8EAE-BF5A-486C-A8C5-ECC9F3942E4B}">
+                <a14:imgProps xmlns:a14="http://schemas.microsoft.com/office/drawing/2010/main">
+                  <a14:imgLayer r:embed="rId3">
+                    <a14:imgEffect>
+                      <a14:artisticPaintStrokes/>
+                    </a14:imgEffect>
+                  </a14:imgLayer>
+                </a14:imgProps>
+              </a:ext>
+            </a:extLst>
+          </a:blip>
+          <a:stretch>
+            <a:fillRect/>
+          </a:stretch>
+        </p:blipFill>
+        <p:spPr>
+          <a:xfrm>
+            <a:off x="0" y="-1"/>
+            <a:ext cx="12192001" cy="6858001"/>
+          </a:xfrm>
+          <a:prstGeom prst="rect">
+            <a:avLst/>
+          </a:prstGeom>
+          <a:solidFill>
+            <a:schemeClr val="bg1"/>
+          </a:solidFill>
+          <a:effectLst>
+            <a:outerShdw blurRad="50800" dist="50800" dir="5400000" algn="ctr" rotWithShape="0">
+              <a:srgbClr val="000000"/>
+            </a:outerShdw>
+            <a:softEdge rad="0"/>
+          </a:effectLst>
+        </p:spPr>
+      </p:pic>
+      <p:sp>
+        <p:nvSpPr>
+          <p:cNvPr id="2" name="Title 1">
+            <a:extLst>
+              <a:ext uri="{FF2B5EF4-FFF2-40B4-BE49-F238E27FC236}">
+                <a16:creationId xmlns:a16="http://schemas.microsoft.com/office/drawing/2014/main" id="{67A943BD-3F60-4062-B9F7-2D7A76B6F939}"/>
+              </a:ext>
+            </a:extLst>
+          </p:cNvPr>
+          <p:cNvSpPr>
+            <a:spLocks noGrp="1"/>
+          </p:cNvSpPr>
+          <p:nvPr>
+            <p:ph type="title"/>
+          </p:nvPr>
+        </p:nvSpPr>
+        <p:spPr/>
+        <p:txBody>
+          <a:bodyPr/>
+          <a:lstStyle/>
+          <a:p>
+            <a:r>
+              <a:rPr lang="en-US" b="1" dirty="0">
+                <a:solidFill>
+                  <a:schemeClr val="bg1"/>
+                </a:solidFill>
+              </a:rPr>
+              <a:t>Results pt. 2</a:t>
+            </a:r>
+          </a:p>
+        </p:txBody>
+      </p:sp>
+      <p:sp>
+        <p:nvSpPr>
+          <p:cNvPr id="3" name="Content Placeholder 2">
+            <a:extLst>
+              <a:ext uri="{FF2B5EF4-FFF2-40B4-BE49-F238E27FC236}">
+                <a16:creationId xmlns:a16="http://schemas.microsoft.com/office/drawing/2014/main" id="{6A7BFCF5-9A15-4AAE-B2E3-E63AA33FEC83}"/>
+              </a:ext>
+            </a:extLst>
+          </p:cNvPr>
+          <p:cNvSpPr>
+            <a:spLocks noGrp="1"/>
+          </p:cNvSpPr>
+          <p:nvPr>
+            <p:ph idx="1"/>
+          </p:nvPr>
+        </p:nvSpPr>
+        <p:spPr>
+          <a:xfrm>
+            <a:off x="838200" y="1825625"/>
+            <a:ext cx="4959183" cy="4351338"/>
+          </a:xfrm>
+        </p:spPr>
+        <p:txBody>
+          <a:bodyPr/>
+          <a:lstStyle/>
+          <a:p>
+            <a:r>
+              <a:rPr lang="en-US" dirty="0">
+                <a:solidFill>
+                  <a:schemeClr val="bg1"/>
+                </a:solidFill>
+              </a:rPr>
+              <a:t>Each cell:</a:t>
+            </a:r>
+          </a:p>
+          <a:p>
+            <a:pPr lvl="1"/>
+            <a:r>
+              <a:rPr lang="en-US" dirty="0">
+                <a:solidFill>
+                  <a:schemeClr val="bg1"/>
+                </a:solidFill>
+              </a:rPr>
+              <a:t>The corresponding % of possible predictions made for this label</a:t>
+            </a:r>
+          </a:p>
+          <a:p>
+            <a:pPr lvl="2"/>
+            <a:r>
+              <a:rPr lang="en-US" dirty="0">
+                <a:solidFill>
+                  <a:schemeClr val="bg1"/>
+                </a:solidFill>
+              </a:rPr>
+              <a:t>Each row totals to 100%</a:t>
+            </a:r>
+          </a:p>
+          <a:p>
+            <a:endParaRPr lang="en-US" dirty="0">
+              <a:solidFill>
+                <a:schemeClr val="bg1"/>
+              </a:solidFill>
+            </a:endParaRPr>
+          </a:p>
+          <a:p>
+            <a:r>
+              <a:rPr lang="en-US" dirty="0">
+                <a:solidFill>
+                  <a:schemeClr val="bg1"/>
+                </a:solidFill>
+              </a:rPr>
+              <a:t>Ex:</a:t>
+            </a:r>
+          </a:p>
+          <a:p>
+            <a:pPr lvl="1"/>
+            <a:r>
+              <a:rPr lang="en-US" dirty="0">
+                <a:solidFill>
+                  <a:schemeClr val="bg1"/>
+                </a:solidFill>
+              </a:rPr>
+              <a:t>75% of the available ‘Neutral’ tweets were correctly predicted to be so</a:t>
+            </a:r>
+          </a:p>
+        </p:txBody>
+      </p:sp>
+      <p:pic>
+        <p:nvPicPr>
+          <p:cNvPr id="1026" name="Picture 2">
+            <a:extLst>
+              <a:ext uri="{FF2B5EF4-FFF2-40B4-BE49-F238E27FC236}">
+                <a16:creationId xmlns:a16="http://schemas.microsoft.com/office/drawing/2014/main" id="{0F3C3B6C-7B5E-4CFE-B5D6-BEF3AC9B0F3E}"/>
+              </a:ext>
+            </a:extLst>
+          </p:cNvPr>
+          <p:cNvPicPr>
+            <a:picLocks noChangeAspect="1" noChangeArrowheads="1"/>
+          </p:cNvPicPr>
+          <p:nvPr/>
+        </p:nvPicPr>
+        <p:blipFill>
+          <a:blip r:embed="rId4">
+            <a:extLst>
+              <a:ext uri="{28A0092B-C50C-407E-A947-70E740481C1C}">
+                <a14:useLocalDpi xmlns:a14="http://schemas.microsoft.com/office/drawing/2010/main" val="0"/>
+              </a:ext>
+            </a:extLst>
+          </a:blip>
+          <a:srcRect/>
+          <a:stretch>
+            <a:fillRect/>
+          </a:stretch>
+        </p:blipFill>
+        <p:spPr bwMode="auto">
+          <a:xfrm>
+            <a:off x="6431414" y="1825625"/>
+            <a:ext cx="5126556" cy="4470473"/>
+          </a:xfrm>
+          <a:prstGeom prst="rect">
+            <a:avLst/>
+          </a:prstGeom>
+          <a:solidFill>
+            <a:schemeClr val="bg1">
+              <a:alpha val="72000"/>
+            </a:schemeClr>
+          </a:solidFill>
+          <a:effectLst>
+            <a:softEdge rad="38100"/>
+          </a:effectLst>
+        </p:spPr>
+      </p:pic>
       <p:sp>
         <p:nvSpPr>
           <p:cNvPr id="8" name="Arrow: Right 7">
@@ -5491,7 +7391,7 @@
         </p:nvSpPr>
         <p:spPr>
           <a:xfrm>
-            <a:off x="6990523" y="3429000"/>
+            <a:off x="7496683" y="3474883"/>
             <a:ext cx="998162" cy="509602"/>
           </a:xfrm>
           <a:prstGeom prst="rightArrow">
@@ -5542,7 +7442,7 @@
         </p:nvSpPr>
         <p:spPr>
           <a:xfrm>
-            <a:off x="8208660" y="4306754"/>
+            <a:off x="8836873" y="4271853"/>
             <a:ext cx="572371" cy="1019103"/>
           </a:xfrm>
           <a:prstGeom prst="upArrow">
@@ -5729,795 +7629,6 @@
       <p:bldP spid="10" grpId="0" animBg="1"/>
     </p:bldLst>
   </p:timing>
-</p:sld>
-</file>
-
-<file path=ppt/slides/slide7.xml><?xml version="1.0" encoding="utf-8"?>
-<p:sld xmlns:a="http://schemas.openxmlformats.org/drawingml/2006/main" xmlns:r="http://schemas.openxmlformats.org/officeDocument/2006/relationships" xmlns:p="http://schemas.openxmlformats.org/presentationml/2006/main">
-  <p:cSld>
-    <p:spTree>
-      <p:nvGrpSpPr>
-        <p:cNvPr id="1" name=""/>
-        <p:cNvGrpSpPr/>
-        <p:nvPr/>
-      </p:nvGrpSpPr>
-      <p:grpSpPr>
-        <a:xfrm>
-          <a:off x="0" y="0"/>
-          <a:ext cx="0" cy="0"/>
-          <a:chOff x="0" y="0"/>
-          <a:chExt cx="0" cy="0"/>
-        </a:xfrm>
-      </p:grpSpPr>
-      <p:pic>
-        <p:nvPicPr>
-          <p:cNvPr id="4" name="Picture 3">
-            <a:extLst>
-              <a:ext uri="{FF2B5EF4-FFF2-40B4-BE49-F238E27FC236}">
-                <a16:creationId xmlns:a16="http://schemas.microsoft.com/office/drawing/2014/main" id="{B7CA53AD-D350-4223-AE6C-57E2FA19D0A6}"/>
-              </a:ext>
-            </a:extLst>
-          </p:cNvPr>
-          <p:cNvPicPr>
-            <a:picLocks noChangeAspect="1"/>
-          </p:cNvPicPr>
-          <p:nvPr/>
-        </p:nvPicPr>
-        <p:blipFill>
-          <a:blip r:embed="rId2">
-            <a:alphaModFix/>
-            <a:extLst>
-              <a:ext uri="{BEBA8EAE-BF5A-486C-A8C5-ECC9F3942E4B}">
-                <a14:imgProps xmlns:a14="http://schemas.microsoft.com/office/drawing/2010/main">
-                  <a14:imgLayer r:embed="rId3">
-                    <a14:imgEffect>
-                      <a14:artisticPaintStrokes/>
-                    </a14:imgEffect>
-                  </a14:imgLayer>
-                </a14:imgProps>
-              </a:ext>
-            </a:extLst>
-          </a:blip>
-          <a:stretch>
-            <a:fillRect/>
-          </a:stretch>
-        </p:blipFill>
-        <p:spPr>
-          <a:xfrm>
-            <a:off x="0" y="-1"/>
-            <a:ext cx="12192001" cy="6858001"/>
-          </a:xfrm>
-          <a:prstGeom prst="rect">
-            <a:avLst/>
-          </a:prstGeom>
-          <a:effectLst>
-            <a:outerShdw blurRad="50800" dist="50800" dir="5400000" algn="ctr" rotWithShape="0">
-              <a:srgbClr val="000000"/>
-            </a:outerShdw>
-            <a:softEdge rad="0"/>
-          </a:effectLst>
-        </p:spPr>
-      </p:pic>
-      <p:sp>
-        <p:nvSpPr>
-          <p:cNvPr id="2" name="Title 1">
-            <a:extLst>
-              <a:ext uri="{FF2B5EF4-FFF2-40B4-BE49-F238E27FC236}">
-                <a16:creationId xmlns:a16="http://schemas.microsoft.com/office/drawing/2014/main" id="{67A943BD-3F60-4062-B9F7-2D7A76B6F939}"/>
-              </a:ext>
-            </a:extLst>
-          </p:cNvPr>
-          <p:cNvSpPr>
-            <a:spLocks noGrp="1"/>
-          </p:cNvSpPr>
-          <p:nvPr>
-            <p:ph type="title"/>
-          </p:nvPr>
-        </p:nvSpPr>
-        <p:spPr/>
-        <p:txBody>
-          <a:bodyPr/>
-          <a:lstStyle/>
-          <a:p>
-            <a:r>
-              <a:rPr lang="en-US" b="1" dirty="0">
-                <a:solidFill>
-                  <a:schemeClr val="bg1"/>
-                </a:solidFill>
-              </a:rPr>
-              <a:t>Recommendations</a:t>
-            </a:r>
-          </a:p>
-        </p:txBody>
-      </p:sp>
-      <p:sp>
-        <p:nvSpPr>
-          <p:cNvPr id="3" name="Content Placeholder 2">
-            <a:extLst>
-              <a:ext uri="{FF2B5EF4-FFF2-40B4-BE49-F238E27FC236}">
-                <a16:creationId xmlns:a16="http://schemas.microsoft.com/office/drawing/2014/main" id="{6A7BFCF5-9A15-4AAE-B2E3-E63AA33FEC83}"/>
-              </a:ext>
-            </a:extLst>
-          </p:cNvPr>
-          <p:cNvSpPr>
-            <a:spLocks noGrp="1"/>
-          </p:cNvSpPr>
-          <p:nvPr>
-            <p:ph idx="1"/>
-          </p:nvPr>
-        </p:nvSpPr>
-        <p:spPr/>
-        <p:txBody>
-          <a:bodyPr/>
-          <a:lstStyle/>
-          <a:p>
-            <a:r>
-              <a:rPr lang="en-US" dirty="0">
-                <a:solidFill>
-                  <a:schemeClr val="bg1"/>
-                </a:solidFill>
-              </a:rPr>
-              <a:t>This model is best used in a binary sense</a:t>
-            </a:r>
-          </a:p>
-          <a:p>
-            <a:pPr lvl="1"/>
-            <a:r>
-              <a:rPr lang="en-US" dirty="0">
-                <a:solidFill>
-                  <a:schemeClr val="bg1"/>
-                </a:solidFill>
-              </a:rPr>
-              <a:t>43% of 'Positive’ labels were misclassified</a:t>
-            </a:r>
-          </a:p>
-          <a:p>
-            <a:pPr lvl="2"/>
-            <a:r>
-              <a:rPr lang="en-US" dirty="0">
-                <a:solidFill>
-                  <a:schemeClr val="bg1"/>
-                </a:solidFill>
-              </a:rPr>
-              <a:t>The exact same for 'Negative’ labels</a:t>
-            </a:r>
-          </a:p>
-          <a:p>
-            <a:pPr lvl="1"/>
-            <a:r>
-              <a:rPr lang="en-US" dirty="0">
-                <a:solidFill>
-                  <a:schemeClr val="bg1"/>
-                </a:solidFill>
-              </a:rPr>
-              <a:t>6% of both non-negative labels were misclassified</a:t>
-            </a:r>
-          </a:p>
-          <a:p>
-            <a:pPr lvl="1"/>
-            <a:r>
-              <a:rPr lang="en-US" dirty="0">
-                <a:solidFill>
-                  <a:schemeClr val="bg1"/>
-                </a:solidFill>
-              </a:rPr>
-              <a:t>18-19% for non-positive labels</a:t>
-            </a:r>
-          </a:p>
-          <a:p>
-            <a:pPr lvl="1"/>
-            <a:endParaRPr lang="en-US" dirty="0">
-              <a:solidFill>
-                <a:schemeClr val="bg1"/>
-              </a:solidFill>
-            </a:endParaRPr>
-          </a:p>
-          <a:p>
-            <a:r>
-              <a:rPr lang="en-US" dirty="0">
-                <a:solidFill>
-                  <a:schemeClr val="bg1"/>
-                </a:solidFill>
-              </a:rPr>
-              <a:t>It can be used to help filter ‘Neutral’ tweets</a:t>
-            </a:r>
-          </a:p>
-          <a:p>
-            <a:pPr lvl="1"/>
-            <a:r>
-              <a:rPr lang="en-US" dirty="0">
-                <a:solidFill>
-                  <a:schemeClr val="bg1"/>
-                </a:solidFill>
-              </a:rPr>
-              <a:t>At the cost of 43% loss of non-neutral tweets</a:t>
-            </a:r>
-          </a:p>
-          <a:p>
-            <a:pPr lvl="2"/>
-            <a:r>
-              <a:rPr lang="en-US" dirty="0">
-                <a:solidFill>
-                  <a:schemeClr val="bg1"/>
-                </a:solidFill>
-              </a:rPr>
-              <a:t>Per class!</a:t>
-            </a:r>
-          </a:p>
-          <a:p>
-            <a:endParaRPr lang="en-US" dirty="0">
-              <a:solidFill>
-                <a:schemeClr val="bg1"/>
-              </a:solidFill>
-            </a:endParaRPr>
-          </a:p>
-        </p:txBody>
-      </p:sp>
-    </p:spTree>
-    <p:extLst>
-      <p:ext uri="{BB962C8B-B14F-4D97-AF65-F5344CB8AC3E}">
-        <p14:creationId xmlns:p14="http://schemas.microsoft.com/office/powerpoint/2010/main" val="3142295864"/>
-      </p:ext>
-    </p:extLst>
-  </p:cSld>
-  <p:clrMapOvr>
-    <a:masterClrMapping/>
-  </p:clrMapOvr>
-</p:sld>
-</file>
-
-<file path=ppt/slides/slide8.xml><?xml version="1.0" encoding="utf-8"?>
-<p:sld xmlns:a="http://schemas.openxmlformats.org/drawingml/2006/main" xmlns:r="http://schemas.openxmlformats.org/officeDocument/2006/relationships" xmlns:p="http://schemas.openxmlformats.org/presentationml/2006/main">
-  <p:cSld>
-    <p:spTree>
-      <p:nvGrpSpPr>
-        <p:cNvPr id="1" name=""/>
-        <p:cNvGrpSpPr/>
-        <p:nvPr/>
-      </p:nvGrpSpPr>
-      <p:grpSpPr>
-        <a:xfrm>
-          <a:off x="0" y="0"/>
-          <a:ext cx="0" cy="0"/>
-          <a:chOff x="0" y="0"/>
-          <a:chExt cx="0" cy="0"/>
-        </a:xfrm>
-      </p:grpSpPr>
-      <p:pic>
-        <p:nvPicPr>
-          <p:cNvPr id="4" name="Picture 3">
-            <a:extLst>
-              <a:ext uri="{FF2B5EF4-FFF2-40B4-BE49-F238E27FC236}">
-                <a16:creationId xmlns:a16="http://schemas.microsoft.com/office/drawing/2014/main" id="{B7CA53AD-D350-4223-AE6C-57E2FA19D0A6}"/>
-              </a:ext>
-            </a:extLst>
-          </p:cNvPr>
-          <p:cNvPicPr>
-            <a:picLocks noChangeAspect="1"/>
-          </p:cNvPicPr>
-          <p:nvPr/>
-        </p:nvPicPr>
-        <p:blipFill>
-          <a:blip r:embed="rId2">
-            <a:alphaModFix/>
-            <a:extLst>
-              <a:ext uri="{BEBA8EAE-BF5A-486C-A8C5-ECC9F3942E4B}">
-                <a14:imgProps xmlns:a14="http://schemas.microsoft.com/office/drawing/2010/main">
-                  <a14:imgLayer r:embed="rId3">
-                    <a14:imgEffect>
-                      <a14:artisticPaintStrokes/>
-                    </a14:imgEffect>
-                  </a14:imgLayer>
-                </a14:imgProps>
-              </a:ext>
-            </a:extLst>
-          </a:blip>
-          <a:stretch>
-            <a:fillRect/>
-          </a:stretch>
-        </p:blipFill>
-        <p:spPr>
-          <a:xfrm>
-            <a:off x="0" y="-1"/>
-            <a:ext cx="12192001" cy="6858001"/>
-          </a:xfrm>
-          <a:prstGeom prst="rect">
-            <a:avLst/>
-          </a:prstGeom>
-          <a:effectLst>
-            <a:outerShdw blurRad="50800" dist="50800" dir="5400000" algn="ctr" rotWithShape="0">
-              <a:srgbClr val="000000"/>
-            </a:outerShdw>
-            <a:softEdge rad="0"/>
-          </a:effectLst>
-        </p:spPr>
-      </p:pic>
-      <p:sp>
-        <p:nvSpPr>
-          <p:cNvPr id="2" name="Title 1">
-            <a:extLst>
-              <a:ext uri="{FF2B5EF4-FFF2-40B4-BE49-F238E27FC236}">
-                <a16:creationId xmlns:a16="http://schemas.microsoft.com/office/drawing/2014/main" id="{67A943BD-3F60-4062-B9F7-2D7A76B6F939}"/>
-              </a:ext>
-            </a:extLst>
-          </p:cNvPr>
-          <p:cNvSpPr>
-            <a:spLocks noGrp="1"/>
-          </p:cNvSpPr>
-          <p:nvPr>
-            <p:ph type="title"/>
-          </p:nvPr>
-        </p:nvSpPr>
-        <p:spPr/>
-        <p:txBody>
-          <a:bodyPr/>
-          <a:lstStyle/>
-          <a:p>
-            <a:r>
-              <a:rPr lang="en-US" b="1" dirty="0">
-                <a:solidFill>
-                  <a:schemeClr val="bg1"/>
-                </a:solidFill>
-              </a:rPr>
-              <a:t>Future Works</a:t>
-            </a:r>
-          </a:p>
-        </p:txBody>
-      </p:sp>
-      <p:sp>
-        <p:nvSpPr>
-          <p:cNvPr id="3" name="Content Placeholder 2">
-            <a:extLst>
-              <a:ext uri="{FF2B5EF4-FFF2-40B4-BE49-F238E27FC236}">
-                <a16:creationId xmlns:a16="http://schemas.microsoft.com/office/drawing/2014/main" id="{6A7BFCF5-9A15-4AAE-B2E3-E63AA33FEC83}"/>
-              </a:ext>
-            </a:extLst>
-          </p:cNvPr>
-          <p:cNvSpPr>
-            <a:spLocks noGrp="1"/>
-          </p:cNvSpPr>
-          <p:nvPr>
-            <p:ph idx="1"/>
-          </p:nvPr>
-        </p:nvSpPr>
-        <p:spPr/>
-        <p:txBody>
-          <a:bodyPr/>
-          <a:lstStyle/>
-          <a:p>
-            <a:r>
-              <a:rPr lang="en-US" dirty="0">
-                <a:solidFill>
-                  <a:schemeClr val="bg1"/>
-                </a:solidFill>
-              </a:rPr>
-              <a:t>More Data!</a:t>
-            </a:r>
-          </a:p>
-          <a:p>
-            <a:pPr lvl="1"/>
-            <a:r>
-              <a:rPr lang="en-US" dirty="0">
-                <a:solidFill>
-                  <a:schemeClr val="bg1"/>
-                </a:solidFill>
-              </a:rPr>
-              <a:t>More to train with, more learning (generally)</a:t>
-            </a:r>
-          </a:p>
-          <a:p>
-            <a:pPr lvl="1"/>
-            <a:endParaRPr lang="en-US" dirty="0">
-              <a:solidFill>
-                <a:schemeClr val="bg1"/>
-              </a:solidFill>
-            </a:endParaRPr>
-          </a:p>
-          <a:p>
-            <a:r>
-              <a:rPr lang="en-US" dirty="0">
-                <a:solidFill>
-                  <a:schemeClr val="bg1"/>
-                </a:solidFill>
-              </a:rPr>
-              <a:t>More time with different Neural Network architectures</a:t>
-            </a:r>
-          </a:p>
-          <a:p>
-            <a:pPr lvl="1"/>
-            <a:r>
-              <a:rPr lang="en-US" dirty="0">
-                <a:solidFill>
-                  <a:schemeClr val="bg1"/>
-                </a:solidFill>
-              </a:rPr>
-              <a:t>Unlimited amount of combinations available</a:t>
-            </a:r>
-          </a:p>
-          <a:p>
-            <a:endParaRPr lang="en-US" dirty="0">
-              <a:solidFill>
-                <a:schemeClr val="bg1"/>
-              </a:solidFill>
-            </a:endParaRPr>
-          </a:p>
-          <a:p>
-            <a:r>
-              <a:rPr lang="en-US" dirty="0">
-                <a:solidFill>
-                  <a:schemeClr val="bg1"/>
-                </a:solidFill>
-              </a:rPr>
-              <a:t>Standard Machine Learning methods</a:t>
-            </a:r>
-          </a:p>
-          <a:p>
-            <a:pPr lvl="1"/>
-            <a:r>
-              <a:rPr lang="en-US" dirty="0">
-                <a:solidFill>
-                  <a:schemeClr val="bg1"/>
-                </a:solidFill>
-              </a:rPr>
-              <a:t>Classifier such as </a:t>
-            </a:r>
-            <a:r>
-              <a:rPr lang="en-US" dirty="0" err="1">
-                <a:solidFill>
-                  <a:schemeClr val="bg1"/>
-                </a:solidFill>
-              </a:rPr>
-              <a:t>RandomForest</a:t>
-            </a:r>
-            <a:r>
-              <a:rPr lang="en-US" dirty="0">
-                <a:solidFill>
-                  <a:schemeClr val="bg1"/>
-                </a:solidFill>
-              </a:rPr>
-              <a:t> or Logistic Regression</a:t>
-            </a:r>
-          </a:p>
-        </p:txBody>
-      </p:sp>
-    </p:spTree>
-    <p:extLst>
-      <p:ext uri="{BB962C8B-B14F-4D97-AF65-F5344CB8AC3E}">
-        <p14:creationId xmlns:p14="http://schemas.microsoft.com/office/powerpoint/2010/main" val="3903514241"/>
-      </p:ext>
-    </p:extLst>
-  </p:cSld>
-  <p:clrMapOvr>
-    <a:masterClrMapping/>
-  </p:clrMapOvr>
-</p:sld>
-</file>
-
-<file path=ppt/slides/slide9.xml><?xml version="1.0" encoding="utf-8"?>
-<p:sld xmlns:a="http://schemas.openxmlformats.org/drawingml/2006/main" xmlns:r="http://schemas.openxmlformats.org/officeDocument/2006/relationships" xmlns:p="http://schemas.openxmlformats.org/presentationml/2006/main">
-  <p:cSld>
-    <p:bg>
-      <p:bgPr>
-        <a:solidFill>
-          <a:schemeClr val="bg1"/>
-        </a:solidFill>
-        <a:effectLst/>
-      </p:bgPr>
-    </p:bg>
-    <p:spTree>
-      <p:nvGrpSpPr>
-        <p:cNvPr id="1" name=""/>
-        <p:cNvGrpSpPr/>
-        <p:nvPr/>
-      </p:nvGrpSpPr>
-      <p:grpSpPr>
-        <a:xfrm>
-          <a:off x="0" y="0"/>
-          <a:ext cx="0" cy="0"/>
-          <a:chOff x="0" y="0"/>
-          <a:chExt cx="0" cy="0"/>
-        </a:xfrm>
-      </p:grpSpPr>
-      <p:pic>
-        <p:nvPicPr>
-          <p:cNvPr id="7" name="Picture 6">
-            <a:extLst>
-              <a:ext uri="{FF2B5EF4-FFF2-40B4-BE49-F238E27FC236}">
-                <a16:creationId xmlns:a16="http://schemas.microsoft.com/office/drawing/2014/main" id="{00624096-A6C5-4E36-86D5-07849D72946A}"/>
-              </a:ext>
-            </a:extLst>
-          </p:cNvPr>
-          <p:cNvPicPr>
-            <a:picLocks noChangeAspect="1"/>
-          </p:cNvPicPr>
-          <p:nvPr/>
-        </p:nvPicPr>
-        <p:blipFill>
-          <a:blip r:embed="rId3">
-            <a:alphaModFix/>
-          </a:blip>
-          <a:stretch>
-            <a:fillRect/>
-          </a:stretch>
-        </p:blipFill>
-        <p:spPr>
-          <a:xfrm>
-            <a:off x="0" y="-269966"/>
-            <a:ext cx="12191999" cy="7127966"/>
-          </a:xfrm>
-          <a:prstGeom prst="rect">
-            <a:avLst/>
-          </a:prstGeom>
-        </p:spPr>
-      </p:pic>
-      <p:pic>
-        <p:nvPicPr>
-          <p:cNvPr id="6" name="Picture 5">
-            <a:extLst>
-              <a:ext uri="{FF2B5EF4-FFF2-40B4-BE49-F238E27FC236}">
-                <a16:creationId xmlns:a16="http://schemas.microsoft.com/office/drawing/2014/main" id="{46C464E1-FC43-41E8-9D66-C7DC3F7F6755}"/>
-              </a:ext>
-            </a:extLst>
-          </p:cNvPr>
-          <p:cNvPicPr>
-            <a:picLocks noChangeAspect="1"/>
-          </p:cNvPicPr>
-          <p:nvPr/>
-        </p:nvPicPr>
-        <p:blipFill rotWithShape="1">
-          <a:blip r:embed="rId4">
-            <a:alphaModFix amt="68000"/>
-            <a:extLst>
-              <a:ext uri="{BEBA8EAE-BF5A-486C-A8C5-ECC9F3942E4B}">
-                <a14:imgProps xmlns:a14="http://schemas.microsoft.com/office/drawing/2010/main">
-                  <a14:imgLayer r:embed="rId5">
-                    <a14:imgEffect>
-                      <a14:artisticGlowEdges/>
-                    </a14:imgEffect>
-                  </a14:imgLayer>
-                </a14:imgProps>
-              </a:ext>
-            </a:extLst>
-          </a:blip>
-          <a:srcRect t="6887" b="3471"/>
-          <a:stretch/>
-        </p:blipFill>
-        <p:spPr>
-          <a:xfrm>
-            <a:off x="20" y="10"/>
-            <a:ext cx="12191980" cy="6857990"/>
-          </a:xfrm>
-          <a:prstGeom prst="rect">
-            <a:avLst/>
-          </a:prstGeom>
-        </p:spPr>
-      </p:pic>
-      <p:sp>
-        <p:nvSpPr>
-          <p:cNvPr id="11" name="Rectangle 10">
-            <a:extLst>
-              <a:ext uri="{FF2B5EF4-FFF2-40B4-BE49-F238E27FC236}">
-                <a16:creationId xmlns:a16="http://schemas.microsoft.com/office/drawing/2014/main" id="{37C89E4B-3C9F-44B9-8B86-D9E3D112D8EC}"/>
-              </a:ext>
-              <a:ext uri="{C183D7F6-B498-43B3-948B-1728B52AA6E4}">
-                <adec:decorative xmlns:adec="http://schemas.microsoft.com/office/drawing/2017/decorative" val="1"/>
-              </a:ext>
-            </a:extLst>
-          </p:cNvPr>
-          <p:cNvSpPr>
-            <a:spLocks noGrp="1" noRot="1" noChangeAspect="1" noMove="1" noResize="1" noEditPoints="1" noAdjustHandles="1" noChangeArrowheads="1" noChangeShapeType="1" noTextEdit="1"/>
-          </p:cNvSpPr>
-          <p:nvPr>
-            <p:extLst>
-              <p:ext uri="{386F3935-93C4-4BCD-93E2-E3B085C9AB24}">
-                <p16:designElem xmlns:p16="http://schemas.microsoft.com/office/powerpoint/2015/main" val="1"/>
-              </p:ext>
-            </p:extLst>
-          </p:nvPr>
-        </p:nvSpPr>
-        <p:spPr>
-          <a:xfrm>
-            <a:off x="0" y="5320142"/>
-            <a:ext cx="12192000" cy="736551"/>
-          </a:xfrm>
-          <a:prstGeom prst="rect">
-            <a:avLst/>
-          </a:prstGeom>
-          <a:solidFill>
-            <a:schemeClr val="bg1">
-              <a:alpha val="93000"/>
-            </a:schemeClr>
-          </a:solidFill>
-          <a:ln>
-            <a:noFill/>
-          </a:ln>
-        </p:spPr>
-        <p:style>
-          <a:lnRef idx="2">
-            <a:schemeClr val="accent1">
-              <a:shade val="50000"/>
-            </a:schemeClr>
-          </a:lnRef>
-          <a:fillRef idx="1">
-            <a:schemeClr val="accent1"/>
-          </a:fillRef>
-          <a:effectRef idx="0">
-            <a:schemeClr val="accent1"/>
-          </a:effectRef>
-          <a:fontRef idx="minor">
-            <a:schemeClr val="lt1"/>
-          </a:fontRef>
-        </p:style>
-        <p:txBody>
-          <a:bodyPr rtlCol="0" anchor="ctr"/>
-          <a:lstStyle/>
-          <a:p>
-            <a:pPr algn="ctr"/>
-            <a:endParaRPr lang="en-US"/>
-          </a:p>
-        </p:txBody>
-      </p:sp>
-      <p:sp>
-        <p:nvSpPr>
-          <p:cNvPr id="2" name="Title 1">
-            <a:extLst>
-              <a:ext uri="{FF2B5EF4-FFF2-40B4-BE49-F238E27FC236}">
-                <a16:creationId xmlns:a16="http://schemas.microsoft.com/office/drawing/2014/main" id="{6E044D5C-7147-43D9-9CA0-71272AA19F85}"/>
-              </a:ext>
-            </a:extLst>
-          </p:cNvPr>
-          <p:cNvSpPr>
-            <a:spLocks noGrp="1"/>
-          </p:cNvSpPr>
-          <p:nvPr>
-            <p:ph type="title"/>
-          </p:nvPr>
-        </p:nvSpPr>
-        <p:spPr>
-          <a:xfrm>
-            <a:off x="523875" y="5317240"/>
-            <a:ext cx="11210925" cy="744836"/>
-          </a:xfrm>
-        </p:spPr>
-        <p:txBody>
-          <a:bodyPr>
-            <a:normAutofit/>
-          </a:bodyPr>
-          <a:lstStyle/>
-          <a:p>
-            <a:pPr algn="ctr"/>
-            <a:r>
-              <a:rPr lang="en-US" sz="3600" b="1" dirty="0">
-                <a:solidFill>
-                  <a:schemeClr val="tx1">
-                    <a:lumMod val="85000"/>
-                    <a:lumOff val="15000"/>
-                  </a:schemeClr>
-                </a:solidFill>
-              </a:rPr>
-              <a:t>Thank You!</a:t>
-            </a:r>
-          </a:p>
-        </p:txBody>
-      </p:sp>
-      <p:cxnSp>
-        <p:nvCxnSpPr>
-          <p:cNvPr id="13" name="Straight Connector 12">
-            <a:extLst>
-              <a:ext uri="{FF2B5EF4-FFF2-40B4-BE49-F238E27FC236}">
-                <a16:creationId xmlns:a16="http://schemas.microsoft.com/office/drawing/2014/main" id="{AA2EAA10-076F-46BD-8F0F-B9A2FB77A85C}"/>
-              </a:ext>
-              <a:ext uri="{C183D7F6-B498-43B3-948B-1728B52AA6E4}">
-                <adec:decorative xmlns:adec="http://schemas.microsoft.com/office/drawing/2017/decorative" val="1"/>
-              </a:ext>
-            </a:extLst>
-          </p:cNvPr>
-          <p:cNvCxnSpPr>
-            <a:cxnSpLocks noGrp="1" noRot="1" noChangeAspect="1" noMove="1" noResize="1" noEditPoints="1" noAdjustHandles="1" noChangeArrowheads="1" noChangeShapeType="1"/>
-          </p:cNvCxnSpPr>
-          <p:nvPr>
-            <p:extLst>
-              <p:ext uri="{386F3935-93C4-4BCD-93E2-E3B085C9AB24}">
-                <p16:designElem xmlns:p16="http://schemas.microsoft.com/office/powerpoint/2015/main" val="1"/>
-              </p:ext>
-            </p:extLst>
-          </p:nvPr>
-        </p:nvCxnSpPr>
-        <p:spPr>
-          <a:xfrm>
-            <a:off x="0" y="5241983"/>
-            <a:ext cx="12192000" cy="0"/>
-          </a:xfrm>
-          <a:prstGeom prst="line">
-            <a:avLst/>
-          </a:prstGeom>
-          <a:ln w="41275">
-            <a:solidFill>
-              <a:schemeClr val="bg1">
-                <a:alpha val="90000"/>
-              </a:schemeClr>
-            </a:solidFill>
-          </a:ln>
-        </p:spPr>
-        <p:style>
-          <a:lnRef idx="1">
-            <a:schemeClr val="accent1"/>
-          </a:lnRef>
-          <a:fillRef idx="0">
-            <a:schemeClr val="accent1"/>
-          </a:fillRef>
-          <a:effectRef idx="0">
-            <a:schemeClr val="accent1"/>
-          </a:effectRef>
-          <a:fontRef idx="minor">
-            <a:schemeClr val="tx1"/>
-          </a:fontRef>
-        </p:style>
-      </p:cxnSp>
-      <p:cxnSp>
-        <p:nvCxnSpPr>
-          <p:cNvPr id="15" name="Straight Connector 14">
-            <a:extLst>
-              <a:ext uri="{FF2B5EF4-FFF2-40B4-BE49-F238E27FC236}">
-                <a16:creationId xmlns:a16="http://schemas.microsoft.com/office/drawing/2014/main" id="{D891E407-403B-4764-86C9-33A56D3BCAA3}"/>
-              </a:ext>
-              <a:ext uri="{C183D7F6-B498-43B3-948B-1728B52AA6E4}">
-                <adec:decorative xmlns:adec="http://schemas.microsoft.com/office/drawing/2017/decorative" val="1"/>
-              </a:ext>
-            </a:extLst>
-          </p:cNvPr>
-          <p:cNvCxnSpPr>
-            <a:cxnSpLocks noGrp="1" noRot="1" noChangeAspect="1" noMove="1" noResize="1" noEditPoints="1" noAdjustHandles="1" noChangeArrowheads="1" noChangeShapeType="1"/>
-          </p:cNvCxnSpPr>
-          <p:nvPr>
-            <p:extLst>
-              <p:ext uri="{386F3935-93C4-4BCD-93E2-E3B085C9AB24}">
-                <p16:designElem xmlns:p16="http://schemas.microsoft.com/office/powerpoint/2015/main" val="1"/>
-              </p:ext>
-            </p:extLst>
-          </p:nvPr>
-        </p:nvCxnSpPr>
-        <p:spPr>
-          <a:xfrm>
-            <a:off x="0" y="6134852"/>
-            <a:ext cx="12192000" cy="0"/>
-          </a:xfrm>
-          <a:prstGeom prst="line">
-            <a:avLst/>
-          </a:prstGeom>
-          <a:ln w="41275">
-            <a:solidFill>
-              <a:schemeClr val="bg1">
-                <a:alpha val="90000"/>
-              </a:schemeClr>
-            </a:solidFill>
-          </a:ln>
-        </p:spPr>
-        <p:style>
-          <a:lnRef idx="1">
-            <a:schemeClr val="accent1"/>
-          </a:lnRef>
-          <a:fillRef idx="0">
-            <a:schemeClr val="accent1"/>
-          </a:fillRef>
-          <a:effectRef idx="0">
-            <a:schemeClr val="accent1"/>
-          </a:effectRef>
-          <a:fontRef idx="minor">
-            <a:schemeClr val="tx1"/>
-          </a:fontRef>
-        </p:style>
-      </p:cxnSp>
-    </p:spTree>
-    <p:extLst>
-      <p:ext uri="{BB962C8B-B14F-4D97-AF65-F5344CB8AC3E}">
-        <p14:creationId xmlns:p14="http://schemas.microsoft.com/office/powerpoint/2010/main" val="1699259725"/>
-      </p:ext>
-    </p:extLst>
-  </p:cSld>
-  <p:clrMapOvr>
-    <a:masterClrMapping/>
-  </p:clrMapOvr>
 </p:sld>
 </file>
 
